--- a/presentation.pptx
+++ b/presentation.pptx
@@ -31119,31 +31119,8 @@
                 <a:ea typeface="Times New Roman" panose="02020603050405020304" pitchFamily="18" charset="0"/>
                 <a:cs typeface="Arial" panose="020B0604020202020204" pitchFamily="34" charset="0"/>
               </a:rPr>
-              <a:t>Adding a bit of AI to place items without good </a:t>
+              <a:t>Adding a bit of AI to place items without good categories</a:t>
             </a:r>
-            <a:r>
-              <a:rPr lang="en-GB" sz="1300" kern="0" dirty="0" err="1">
-                <a:solidFill>
-                  <a:schemeClr val="tx1">
-                    <a:alpha val="80000"/>
-                  </a:schemeClr>
-                </a:solidFill>
-                <a:latin typeface="Mary Ann"/>
-                <a:ea typeface="Times New Roman" panose="02020603050405020304" pitchFamily="18" charset="0"/>
-                <a:cs typeface="Arial" panose="020B0604020202020204" pitchFamily="34" charset="0"/>
-              </a:rPr>
-              <a:t>categorys</a:t>
-            </a:r>
-            <a:endParaRPr lang="en-GB" sz="1300" kern="0" dirty="0">
-              <a:solidFill>
-                <a:schemeClr val="tx1">
-                  <a:alpha val="80000"/>
-                </a:schemeClr>
-              </a:solidFill>
-              <a:latin typeface="Mary Ann"/>
-              <a:ea typeface="Times New Roman" panose="02020603050405020304" pitchFamily="18" charset="0"/>
-              <a:cs typeface="Arial" panose="020B0604020202020204" pitchFamily="34" charset="0"/>
-            </a:endParaRPr>
           </a:p>
         </p:txBody>
       </p:sp>

--- a/presentation.pptx
+++ b/presentation.pptx
@@ -16,9 +16,10 @@
     <p:sldId id="299" r:id="rId10"/>
     <p:sldId id="302" r:id="rId11"/>
     <p:sldId id="304" r:id="rId12"/>
-    <p:sldId id="307" r:id="rId13"/>
-    <p:sldId id="303" r:id="rId14"/>
-    <p:sldId id="305" r:id="rId15"/>
+    <p:sldId id="308" r:id="rId13"/>
+    <p:sldId id="307" r:id="rId14"/>
+    <p:sldId id="303" r:id="rId15"/>
+    <p:sldId id="305" r:id="rId16"/>
   </p:sldIdLst>
   <p:sldSz cx="12192000" cy="6858000"/>
   <p:notesSz cx="6858000" cy="9144000"/>
@@ -3416,8 +3417,16 @@
         <a:lstStyle/>
         <a:p>
           <a:r>
-            <a:rPr lang="en-US"/>
-            <a:t>Replace Hexcode categories with a ‘most common word’</a:t>
+            <a:rPr lang="en-US" dirty="0"/>
+            <a:t>Replace </a:t>
+          </a:r>
+          <a:r>
+            <a:rPr lang="en-US" dirty="0" err="1"/>
+            <a:t>Hexcode</a:t>
+          </a:r>
+          <a:r>
+            <a:rPr lang="en-US" dirty="0"/>
+            <a:t> categories with a ‘most common word’</a:t>
           </a:r>
         </a:p>
       </dgm:t>
@@ -3434,42 +3443,6 @@
       </dgm:t>
     </dgm:pt>
     <dgm:pt modelId="{53349470-CF1C-43C1-9EE0-17FAD5FF9D61}" type="sibTrans" cxnId="{0E504318-9AA5-40F9-83BD-CAFAFC9A0BE2}">
-      <dgm:prSet/>
-      <dgm:spPr/>
-      <dgm:t>
-        <a:bodyPr/>
-        <a:lstStyle/>
-        <a:p>
-          <a:endParaRPr lang="en-US"/>
-        </a:p>
-      </dgm:t>
-    </dgm:pt>
-    <dgm:pt modelId="{A33DB15D-F7C4-44F9-8931-C0FF1D01B0B6}">
-      <dgm:prSet/>
-      <dgm:spPr/>
-      <dgm:t>
-        <a:bodyPr/>
-        <a:lstStyle/>
-        <a:p>
-          <a:r>
-            <a:rPr lang="en-US" dirty="0"/>
-            <a:t>Could help with cosine similarity by including the categories in a new item description column</a:t>
-          </a:r>
-        </a:p>
-      </dgm:t>
-    </dgm:pt>
-    <dgm:pt modelId="{1E03623B-DD7D-452A-8D9A-1AD11637EDE5}" type="parTrans" cxnId="{382D2DBD-DC9D-4E78-B255-8A4AB1BA480E}">
-      <dgm:prSet/>
-      <dgm:spPr/>
-      <dgm:t>
-        <a:bodyPr/>
-        <a:lstStyle/>
-        <a:p>
-          <a:endParaRPr lang="en-US"/>
-        </a:p>
-      </dgm:t>
-    </dgm:pt>
-    <dgm:pt modelId="{475075F0-00FF-4C49-B727-299BD4ADB152}" type="sibTrans" cxnId="{382D2DBD-DC9D-4E78-B255-8A4AB1BA480E}">
       <dgm:prSet/>
       <dgm:spPr/>
       <dgm:t>
@@ -3525,7 +3498,7 @@
         <a:p>
           <a:r>
             <a:rPr lang="en-US" dirty="0"/>
-            <a:t>Re-make categories using cosine similarity or another method.</a:t>
+            <a:t>Fine Tuning model on our own data.</a:t>
           </a:r>
         </a:p>
       </dgm:t>
@@ -3552,6 +3525,42 @@
         </a:p>
       </dgm:t>
     </dgm:pt>
+    <dgm:pt modelId="{F1216675-29E5-F04F-8B36-1FCC0E8B3530}">
+      <dgm:prSet/>
+      <dgm:spPr/>
+      <dgm:t>
+        <a:bodyPr/>
+        <a:lstStyle/>
+        <a:p>
+          <a:r>
+            <a:rPr lang="en-GB" dirty="0"/>
+            <a:t>Better product names not 'TAKE A BREAK'</a:t>
+          </a:r>
+        </a:p>
+      </dgm:t>
+    </dgm:pt>
+    <dgm:pt modelId="{1CDCCDDA-0A36-BB43-889F-F98904BB5FFD}" type="parTrans" cxnId="{291A6A15-7BE7-5B45-A674-FDF3ED79A5A0}">
+      <dgm:prSet/>
+      <dgm:spPr/>
+      <dgm:t>
+        <a:bodyPr/>
+        <a:lstStyle/>
+        <a:p>
+          <a:endParaRPr lang="en-GB"/>
+        </a:p>
+      </dgm:t>
+    </dgm:pt>
+    <dgm:pt modelId="{50310BDE-0992-424C-AC32-41E2ACA51843}" type="sibTrans" cxnId="{291A6A15-7BE7-5B45-A674-FDF3ED79A5A0}">
+      <dgm:prSet/>
+      <dgm:spPr/>
+      <dgm:t>
+        <a:bodyPr/>
+        <a:lstStyle/>
+        <a:p>
+          <a:endParaRPr lang="en-GB"/>
+        </a:p>
+      </dgm:t>
+    </dgm:pt>
     <dgm:pt modelId="{8B63B804-BF5C-4392-BBFD-7CC52D9052DB}" type="pres">
       <dgm:prSet presAssocID="{CA5D6049-4AF9-4BEE-8758-A5FD77C0882C}" presName="outerComposite" presStyleCnt="0">
         <dgm:presLayoutVars>
@@ -3568,64 +3577,88 @@
       </dgm:prSet>
       <dgm:spPr/>
     </dgm:pt>
-    <dgm:pt modelId="{9DBA6151-3583-4EB3-AF95-1E122281E780}" type="pres">
-      <dgm:prSet presAssocID="{CA5D6049-4AF9-4BEE-8758-A5FD77C0882C}" presName="ThreeNodes_1" presStyleLbl="node1" presStyleIdx="0" presStyleCnt="3">
+    <dgm:pt modelId="{3E7A2B3A-6174-4E48-B39E-0A29AD06FDD3}" type="pres">
+      <dgm:prSet presAssocID="{CA5D6049-4AF9-4BEE-8758-A5FD77C0882C}" presName="FourNodes_1" presStyleLbl="node1" presStyleIdx="0" presStyleCnt="4">
         <dgm:presLayoutVars>
           <dgm:bulletEnabled val="1"/>
         </dgm:presLayoutVars>
       </dgm:prSet>
       <dgm:spPr/>
     </dgm:pt>
-    <dgm:pt modelId="{8D416679-697D-45D4-9805-48C5C28E9A3C}" type="pres">
-      <dgm:prSet presAssocID="{CA5D6049-4AF9-4BEE-8758-A5FD77C0882C}" presName="ThreeNodes_2" presStyleLbl="node1" presStyleIdx="1" presStyleCnt="3">
+    <dgm:pt modelId="{2F77CFA3-5F9B-E248-8CC2-5ED640E1D51E}" type="pres">
+      <dgm:prSet presAssocID="{CA5D6049-4AF9-4BEE-8758-A5FD77C0882C}" presName="FourNodes_2" presStyleLbl="node1" presStyleIdx="1" presStyleCnt="4">
         <dgm:presLayoutVars>
           <dgm:bulletEnabled val="1"/>
         </dgm:presLayoutVars>
       </dgm:prSet>
       <dgm:spPr/>
     </dgm:pt>
-    <dgm:pt modelId="{17FCB155-38C5-41C2-8997-F6E916C47B59}" type="pres">
-      <dgm:prSet presAssocID="{CA5D6049-4AF9-4BEE-8758-A5FD77C0882C}" presName="ThreeNodes_3" presStyleLbl="node1" presStyleIdx="2" presStyleCnt="3">
+    <dgm:pt modelId="{46054889-2469-D445-ACD6-CAB871755282}" type="pres">
+      <dgm:prSet presAssocID="{CA5D6049-4AF9-4BEE-8758-A5FD77C0882C}" presName="FourNodes_3" presStyleLbl="node1" presStyleIdx="2" presStyleCnt="4">
         <dgm:presLayoutVars>
           <dgm:bulletEnabled val="1"/>
         </dgm:presLayoutVars>
       </dgm:prSet>
       <dgm:spPr/>
     </dgm:pt>
-    <dgm:pt modelId="{52ED0262-9BB9-41D2-9B1A-EDA41B6BC580}" type="pres">
-      <dgm:prSet presAssocID="{CA5D6049-4AF9-4BEE-8758-A5FD77C0882C}" presName="ThreeConn_1-2" presStyleLbl="fgAccFollowNode1" presStyleIdx="0" presStyleCnt="2">
+    <dgm:pt modelId="{61E39620-303C-554D-BCD3-FCE0DFC7D5F8}" type="pres">
+      <dgm:prSet presAssocID="{CA5D6049-4AF9-4BEE-8758-A5FD77C0882C}" presName="FourNodes_4" presStyleLbl="node1" presStyleIdx="3" presStyleCnt="4" custLinFactNeighborX="747" custLinFactNeighborY="4721">
         <dgm:presLayoutVars>
           <dgm:bulletEnabled val="1"/>
         </dgm:presLayoutVars>
       </dgm:prSet>
       <dgm:spPr/>
     </dgm:pt>
-    <dgm:pt modelId="{B03A606D-2D2C-43A3-9E72-AA1032EA6ABF}" type="pres">
-      <dgm:prSet presAssocID="{CA5D6049-4AF9-4BEE-8758-A5FD77C0882C}" presName="ThreeConn_2-3" presStyleLbl="fgAccFollowNode1" presStyleIdx="1" presStyleCnt="2">
+    <dgm:pt modelId="{8030FAA1-60C0-5243-A7EF-1CF74EBF9DD7}" type="pres">
+      <dgm:prSet presAssocID="{CA5D6049-4AF9-4BEE-8758-A5FD77C0882C}" presName="FourConn_1-2" presStyleLbl="fgAccFollowNode1" presStyleIdx="0" presStyleCnt="3">
         <dgm:presLayoutVars>
           <dgm:bulletEnabled val="1"/>
         </dgm:presLayoutVars>
       </dgm:prSet>
       <dgm:spPr/>
     </dgm:pt>
-    <dgm:pt modelId="{0A39E12D-2352-47FC-A7E5-96C6C031D445}" type="pres">
-      <dgm:prSet presAssocID="{CA5D6049-4AF9-4BEE-8758-A5FD77C0882C}" presName="ThreeNodes_1_text" presStyleLbl="node1" presStyleIdx="2" presStyleCnt="3">
+    <dgm:pt modelId="{6F87916F-8CC9-AE4D-BD35-815775584019}" type="pres">
+      <dgm:prSet presAssocID="{CA5D6049-4AF9-4BEE-8758-A5FD77C0882C}" presName="FourConn_2-3" presStyleLbl="fgAccFollowNode1" presStyleIdx="1" presStyleCnt="3">
         <dgm:presLayoutVars>
           <dgm:bulletEnabled val="1"/>
         </dgm:presLayoutVars>
       </dgm:prSet>
       <dgm:spPr/>
     </dgm:pt>
-    <dgm:pt modelId="{DE28DDD8-4493-41C4-B486-02F3765EC1B2}" type="pres">
-      <dgm:prSet presAssocID="{CA5D6049-4AF9-4BEE-8758-A5FD77C0882C}" presName="ThreeNodes_2_text" presStyleLbl="node1" presStyleIdx="2" presStyleCnt="3">
+    <dgm:pt modelId="{000FD56E-E770-014D-B2A1-009C523BD99D}" type="pres">
+      <dgm:prSet presAssocID="{CA5D6049-4AF9-4BEE-8758-A5FD77C0882C}" presName="FourConn_3-4" presStyleLbl="fgAccFollowNode1" presStyleIdx="2" presStyleCnt="3">
         <dgm:presLayoutVars>
           <dgm:bulletEnabled val="1"/>
         </dgm:presLayoutVars>
       </dgm:prSet>
       <dgm:spPr/>
     </dgm:pt>
-    <dgm:pt modelId="{2ABA8788-3831-4D11-A053-BF81713A5F98}" type="pres">
-      <dgm:prSet presAssocID="{CA5D6049-4AF9-4BEE-8758-A5FD77C0882C}" presName="ThreeNodes_3_text" presStyleLbl="node1" presStyleIdx="2" presStyleCnt="3">
+    <dgm:pt modelId="{4D93954A-0630-9D4F-8D11-4E9203736F16}" type="pres">
+      <dgm:prSet presAssocID="{CA5D6049-4AF9-4BEE-8758-A5FD77C0882C}" presName="FourNodes_1_text" presStyleLbl="node1" presStyleIdx="3" presStyleCnt="4">
+        <dgm:presLayoutVars>
+          <dgm:bulletEnabled val="1"/>
+        </dgm:presLayoutVars>
+      </dgm:prSet>
+      <dgm:spPr/>
+    </dgm:pt>
+    <dgm:pt modelId="{D97A8BBB-604D-AE42-A272-4D6B2D49EA2A}" type="pres">
+      <dgm:prSet presAssocID="{CA5D6049-4AF9-4BEE-8758-A5FD77C0882C}" presName="FourNodes_2_text" presStyleLbl="node1" presStyleIdx="3" presStyleCnt="4">
+        <dgm:presLayoutVars>
+          <dgm:bulletEnabled val="1"/>
+        </dgm:presLayoutVars>
+      </dgm:prSet>
+      <dgm:spPr/>
+    </dgm:pt>
+    <dgm:pt modelId="{71969774-644F-8A44-AB2A-121A74728C63}" type="pres">
+      <dgm:prSet presAssocID="{CA5D6049-4AF9-4BEE-8758-A5FD77C0882C}" presName="FourNodes_3_text" presStyleLbl="node1" presStyleIdx="3" presStyleCnt="4">
+        <dgm:presLayoutVars>
+          <dgm:bulletEnabled val="1"/>
+        </dgm:presLayoutVars>
+      </dgm:prSet>
+      <dgm:spPr/>
+    </dgm:pt>
+    <dgm:pt modelId="{94E121BC-9B43-7947-B9C2-30B4BAF67D9F}" type="pres">
+      <dgm:prSet presAssocID="{CA5D6049-4AF9-4BEE-8758-A5FD77C0882C}" presName="FourNodes_4_text" presStyleLbl="node1" presStyleIdx="3" presStyleCnt="4">
         <dgm:presLayoutVars>
           <dgm:bulletEnabled val="1"/>
         </dgm:presLayoutVars>
@@ -3634,30 +3667,34 @@
     </dgm:pt>
   </dgm:ptLst>
   <dgm:cxnLst>
-    <dgm:cxn modelId="{51742410-9AB2-4D43-BA32-F801B545F003}" type="presOf" srcId="{76E99690-60C3-4BAD-99A6-C8879608BE9D}" destId="{B03A606D-2D2C-43A3-9E72-AA1032EA6ABF}" srcOrd="0" destOrd="0" presId="urn:microsoft.com/office/officeart/2005/8/layout/vProcess5"/>
-    <dgm:cxn modelId="{3A73F714-8DFE-4071-A365-BBF30DAD4E44}" type="presOf" srcId="{30F98056-A758-4022-9D22-234E683AB933}" destId="{17FCB155-38C5-41C2-8997-F6E916C47B59}" srcOrd="0" destOrd="0" presId="urn:microsoft.com/office/officeart/2005/8/layout/vProcess5"/>
+    <dgm:cxn modelId="{83A15F07-F5A0-D648-9ABB-FD0BCD8DDF86}" type="presOf" srcId="{9582BED7-96DA-4FBD-AF0B-276E3B968B40}" destId="{3E7A2B3A-6174-4E48-B39E-0A29AD06FDD3}" srcOrd="0" destOrd="0" presId="urn:microsoft.com/office/officeart/2005/8/layout/vProcess5"/>
+    <dgm:cxn modelId="{C4139707-A9F1-4A45-849E-CDDCF0F76B50}" type="presOf" srcId="{30F98056-A758-4022-9D22-234E683AB933}" destId="{46054889-2469-D445-ACD6-CAB871755282}" srcOrd="0" destOrd="0" presId="urn:microsoft.com/office/officeart/2005/8/layout/vProcess5"/>
+    <dgm:cxn modelId="{291A6A15-7BE7-5B45-A674-FDF3ED79A5A0}" srcId="{CA5D6049-4AF9-4BEE-8758-A5FD77C0882C}" destId="{F1216675-29E5-F04F-8B36-1FCC0E8B3530}" srcOrd="3" destOrd="0" parTransId="{1CDCCDDA-0A36-BB43-889F-F98904BB5FFD}" sibTransId="{50310BDE-0992-424C-AC32-41E2ACA51843}"/>
     <dgm:cxn modelId="{0E504318-9AA5-40F9-83BD-CAFAFC9A0BE2}" srcId="{CA5D6049-4AF9-4BEE-8758-A5FD77C0882C}" destId="{9582BED7-96DA-4FBD-AF0B-276E3B968B40}" srcOrd="0" destOrd="0" parTransId="{B0039BAB-80C7-45A4-AEB1-A3D9C9A3F21D}" sibTransId="{53349470-CF1C-43C1-9EE0-17FAD5FF9D61}"/>
-    <dgm:cxn modelId="{1320401D-F1D1-4F49-9A71-68B403284A2D}" type="presOf" srcId="{71DEA7E9-DF65-4ACC-8740-B394C9AB0B5E}" destId="{DE28DDD8-4493-41C4-B486-02F3765EC1B2}" srcOrd="1" destOrd="0" presId="urn:microsoft.com/office/officeart/2005/8/layout/vProcess5"/>
-    <dgm:cxn modelId="{61594B24-61D6-4D8D-A3CF-DC6512353B69}" type="presOf" srcId="{A33DB15D-F7C4-44F9-8931-C0FF1D01B0B6}" destId="{9DBA6151-3583-4EB3-AF95-1E122281E780}" srcOrd="0" destOrd="1" presId="urn:microsoft.com/office/officeart/2005/8/layout/vProcess5"/>
-    <dgm:cxn modelId="{F2E77925-354C-4122-A696-C59FB47EC5D5}" type="presOf" srcId="{A33DB15D-F7C4-44F9-8931-C0FF1D01B0B6}" destId="{0A39E12D-2352-47FC-A7E5-96C6C031D445}" srcOrd="1" destOrd="1" presId="urn:microsoft.com/office/officeart/2005/8/layout/vProcess5"/>
-    <dgm:cxn modelId="{47E2DB2E-7CB2-4674-AABB-89B39F025623}" type="presOf" srcId="{71DEA7E9-DF65-4ACC-8740-B394C9AB0B5E}" destId="{8D416679-697D-45D4-9805-48C5C28E9A3C}" srcOrd="0" destOrd="0" presId="urn:microsoft.com/office/officeart/2005/8/layout/vProcess5"/>
-    <dgm:cxn modelId="{A5BF7767-0098-4B69-8914-EEDBD409033A}" type="presOf" srcId="{30F98056-A758-4022-9D22-234E683AB933}" destId="{2ABA8788-3831-4D11-A053-BF81713A5F98}" srcOrd="1" destOrd="0" presId="urn:microsoft.com/office/officeart/2005/8/layout/vProcess5"/>
+    <dgm:cxn modelId="{E6F58A18-085F-3D4C-9AE0-ECAD6045CF01}" type="presOf" srcId="{71DEA7E9-DF65-4ACC-8740-B394C9AB0B5E}" destId="{D97A8BBB-604D-AE42-A272-4D6B2D49EA2A}" srcOrd="1" destOrd="0" presId="urn:microsoft.com/office/officeart/2005/8/layout/vProcess5"/>
+    <dgm:cxn modelId="{99174219-16CE-DA4F-9345-78068F4BE355}" type="presOf" srcId="{F1216675-29E5-F04F-8B36-1FCC0E8B3530}" destId="{94E121BC-9B43-7947-B9C2-30B4BAF67D9F}" srcOrd="1" destOrd="0" presId="urn:microsoft.com/office/officeart/2005/8/layout/vProcess5"/>
+    <dgm:cxn modelId="{5AD5413B-BF2F-1C4B-8F41-34210304DAE8}" type="presOf" srcId="{53349470-CF1C-43C1-9EE0-17FAD5FF9D61}" destId="{8030FAA1-60C0-5243-A7EF-1CF74EBF9DD7}" srcOrd="0" destOrd="0" presId="urn:microsoft.com/office/officeart/2005/8/layout/vProcess5"/>
+    <dgm:cxn modelId="{221E2D6B-5E10-5D4E-A11C-2B1A51EC3AD8}" type="presOf" srcId="{F1216675-29E5-F04F-8B36-1FCC0E8B3530}" destId="{61E39620-303C-554D-BCD3-FCE0DFC7D5F8}" srcOrd="0" destOrd="0" presId="urn:microsoft.com/office/officeart/2005/8/layout/vProcess5"/>
+    <dgm:cxn modelId="{86E37A6B-9A0E-974B-A6D0-03DB2B0C91D2}" type="presOf" srcId="{71DEA7E9-DF65-4ACC-8740-B394C9AB0B5E}" destId="{2F77CFA3-5F9B-E248-8CC2-5ED640E1D51E}" srcOrd="0" destOrd="0" presId="urn:microsoft.com/office/officeart/2005/8/layout/vProcess5"/>
     <dgm:cxn modelId="{A0EB086C-C953-40CD-9271-BA8B43B4BEAC}" srcId="{CA5D6049-4AF9-4BEE-8758-A5FD77C0882C}" destId="{71DEA7E9-DF65-4ACC-8740-B394C9AB0B5E}" srcOrd="1" destOrd="0" parTransId="{8AC8A1A8-9864-44F6-A054-C6FBF3B89EAD}" sibTransId="{76E99690-60C3-4BAD-99A6-C8879608BE9D}"/>
     <dgm:cxn modelId="{15A7FB6D-A727-4441-95BE-027F53387F05}" srcId="{CA5D6049-4AF9-4BEE-8758-A5FD77C0882C}" destId="{30F98056-A758-4022-9D22-234E683AB933}" srcOrd="2" destOrd="0" parTransId="{B30E93F3-81FC-48B1-A721-6569D5AE57AD}" sibTransId="{601DEE7C-1677-4867-94A0-7CE39223F284}"/>
-    <dgm:cxn modelId="{16668D75-E127-402D-97DC-9DDF636906FE}" type="presOf" srcId="{9582BED7-96DA-4FBD-AF0B-276E3B968B40}" destId="{0A39E12D-2352-47FC-A7E5-96C6C031D445}" srcOrd="1" destOrd="0" presId="urn:microsoft.com/office/officeart/2005/8/layout/vProcess5"/>
-    <dgm:cxn modelId="{5457598D-BED4-4AB6-8830-54FE4B0BB66E}" type="presOf" srcId="{9582BED7-96DA-4FBD-AF0B-276E3B968B40}" destId="{9DBA6151-3583-4EB3-AF95-1E122281E780}" srcOrd="0" destOrd="0" presId="urn:microsoft.com/office/officeart/2005/8/layout/vProcess5"/>
+    <dgm:cxn modelId="{8484E876-11C6-E84A-83AB-B130AC2D718E}" type="presOf" srcId="{9582BED7-96DA-4FBD-AF0B-276E3B968B40}" destId="{4D93954A-0630-9D4F-8D11-4E9203736F16}" srcOrd="1" destOrd="0" presId="urn:microsoft.com/office/officeart/2005/8/layout/vProcess5"/>
+    <dgm:cxn modelId="{3DAFEE82-D878-2747-B16C-ABB1B63CF674}" type="presOf" srcId="{76E99690-60C3-4BAD-99A6-C8879608BE9D}" destId="{6F87916F-8CC9-AE4D-BD35-815775584019}" srcOrd="0" destOrd="0" presId="urn:microsoft.com/office/officeart/2005/8/layout/vProcess5"/>
     <dgm:cxn modelId="{6C31868D-4E93-4D46-91BF-ADEF07BF0595}" type="presOf" srcId="{CA5D6049-4AF9-4BEE-8758-A5FD77C0882C}" destId="{8B63B804-BF5C-4392-BBFD-7CC52D9052DB}" srcOrd="0" destOrd="0" presId="urn:microsoft.com/office/officeart/2005/8/layout/vProcess5"/>
-    <dgm:cxn modelId="{C69437B0-FDAD-4B7C-83C1-310FF6E47384}" type="presOf" srcId="{53349470-CF1C-43C1-9EE0-17FAD5FF9D61}" destId="{52ED0262-9BB9-41D2-9B1A-EDA41B6BC580}" srcOrd="0" destOrd="0" presId="urn:microsoft.com/office/officeart/2005/8/layout/vProcess5"/>
-    <dgm:cxn modelId="{382D2DBD-DC9D-4E78-B255-8A4AB1BA480E}" srcId="{9582BED7-96DA-4FBD-AF0B-276E3B968B40}" destId="{A33DB15D-F7C4-44F9-8931-C0FF1D01B0B6}" srcOrd="0" destOrd="0" parTransId="{1E03623B-DD7D-452A-8D9A-1AD11637EDE5}" sibTransId="{475075F0-00FF-4C49-B727-299BD4ADB152}"/>
+    <dgm:cxn modelId="{212DBC8F-2977-AE4F-8F82-4CA7BB09D3A4}" type="presOf" srcId="{601DEE7C-1677-4867-94A0-7CE39223F284}" destId="{000FD56E-E770-014D-B2A1-009C523BD99D}" srcOrd="0" destOrd="0" presId="urn:microsoft.com/office/officeart/2005/8/layout/vProcess5"/>
+    <dgm:cxn modelId="{D3C27098-94A2-A643-B5E3-F376449B2FF4}" type="presOf" srcId="{30F98056-A758-4022-9D22-234E683AB933}" destId="{71969774-644F-8A44-AB2A-121A74728C63}" srcOrd="1" destOrd="0" presId="urn:microsoft.com/office/officeart/2005/8/layout/vProcess5"/>
     <dgm:cxn modelId="{74186E59-EA54-473E-A2CB-200FC7A4E4C1}" type="presParOf" srcId="{8B63B804-BF5C-4392-BBFD-7CC52D9052DB}" destId="{FE9E2AAC-235F-4324-9208-E02E6A56CBDA}" srcOrd="0" destOrd="0" presId="urn:microsoft.com/office/officeart/2005/8/layout/vProcess5"/>
-    <dgm:cxn modelId="{5C9C621A-DF8D-4F68-8898-36F3C54A8032}" type="presParOf" srcId="{8B63B804-BF5C-4392-BBFD-7CC52D9052DB}" destId="{9DBA6151-3583-4EB3-AF95-1E122281E780}" srcOrd="1" destOrd="0" presId="urn:microsoft.com/office/officeart/2005/8/layout/vProcess5"/>
-    <dgm:cxn modelId="{5DB26978-60AB-40BC-9FAC-0439DF12E93D}" type="presParOf" srcId="{8B63B804-BF5C-4392-BBFD-7CC52D9052DB}" destId="{8D416679-697D-45D4-9805-48C5C28E9A3C}" srcOrd="2" destOrd="0" presId="urn:microsoft.com/office/officeart/2005/8/layout/vProcess5"/>
-    <dgm:cxn modelId="{DE947D23-3DBD-4EE2-A51F-C4A0365342A5}" type="presParOf" srcId="{8B63B804-BF5C-4392-BBFD-7CC52D9052DB}" destId="{17FCB155-38C5-41C2-8997-F6E916C47B59}" srcOrd="3" destOrd="0" presId="urn:microsoft.com/office/officeart/2005/8/layout/vProcess5"/>
-    <dgm:cxn modelId="{890361D9-1031-44CE-ACBE-B55351815FF5}" type="presParOf" srcId="{8B63B804-BF5C-4392-BBFD-7CC52D9052DB}" destId="{52ED0262-9BB9-41D2-9B1A-EDA41B6BC580}" srcOrd="4" destOrd="0" presId="urn:microsoft.com/office/officeart/2005/8/layout/vProcess5"/>
-    <dgm:cxn modelId="{D3FE0A0B-90FE-44E8-B86C-99305752C2EB}" type="presParOf" srcId="{8B63B804-BF5C-4392-BBFD-7CC52D9052DB}" destId="{B03A606D-2D2C-43A3-9E72-AA1032EA6ABF}" srcOrd="5" destOrd="0" presId="urn:microsoft.com/office/officeart/2005/8/layout/vProcess5"/>
-    <dgm:cxn modelId="{CEB07705-0384-464A-BB62-208394B00F51}" type="presParOf" srcId="{8B63B804-BF5C-4392-BBFD-7CC52D9052DB}" destId="{0A39E12D-2352-47FC-A7E5-96C6C031D445}" srcOrd="6" destOrd="0" presId="urn:microsoft.com/office/officeart/2005/8/layout/vProcess5"/>
-    <dgm:cxn modelId="{B932BBA4-773C-4E8C-A918-32467493DB78}" type="presParOf" srcId="{8B63B804-BF5C-4392-BBFD-7CC52D9052DB}" destId="{DE28DDD8-4493-41C4-B486-02F3765EC1B2}" srcOrd="7" destOrd="0" presId="urn:microsoft.com/office/officeart/2005/8/layout/vProcess5"/>
-    <dgm:cxn modelId="{280B1A21-760C-4EF3-8E04-F9C63FCC97C0}" type="presParOf" srcId="{8B63B804-BF5C-4392-BBFD-7CC52D9052DB}" destId="{2ABA8788-3831-4D11-A053-BF81713A5F98}" srcOrd="8" destOrd="0" presId="urn:microsoft.com/office/officeart/2005/8/layout/vProcess5"/>
+    <dgm:cxn modelId="{3C6D4697-F83A-B64C-BEC2-396AFB6D156A}" type="presParOf" srcId="{8B63B804-BF5C-4392-BBFD-7CC52D9052DB}" destId="{3E7A2B3A-6174-4E48-B39E-0A29AD06FDD3}" srcOrd="1" destOrd="0" presId="urn:microsoft.com/office/officeart/2005/8/layout/vProcess5"/>
+    <dgm:cxn modelId="{2EBC4431-2F05-1A46-9314-8F20A0863C51}" type="presParOf" srcId="{8B63B804-BF5C-4392-BBFD-7CC52D9052DB}" destId="{2F77CFA3-5F9B-E248-8CC2-5ED640E1D51E}" srcOrd="2" destOrd="0" presId="urn:microsoft.com/office/officeart/2005/8/layout/vProcess5"/>
+    <dgm:cxn modelId="{B9F8B251-B12A-F543-9D66-3BBF924DE348}" type="presParOf" srcId="{8B63B804-BF5C-4392-BBFD-7CC52D9052DB}" destId="{46054889-2469-D445-ACD6-CAB871755282}" srcOrd="3" destOrd="0" presId="urn:microsoft.com/office/officeart/2005/8/layout/vProcess5"/>
+    <dgm:cxn modelId="{6688E88B-2499-6847-BBAB-A8DBF8878C9D}" type="presParOf" srcId="{8B63B804-BF5C-4392-BBFD-7CC52D9052DB}" destId="{61E39620-303C-554D-BCD3-FCE0DFC7D5F8}" srcOrd="4" destOrd="0" presId="urn:microsoft.com/office/officeart/2005/8/layout/vProcess5"/>
+    <dgm:cxn modelId="{5057EDB2-3252-BE40-BF7C-F58B936EE502}" type="presParOf" srcId="{8B63B804-BF5C-4392-BBFD-7CC52D9052DB}" destId="{8030FAA1-60C0-5243-A7EF-1CF74EBF9DD7}" srcOrd="5" destOrd="0" presId="urn:microsoft.com/office/officeart/2005/8/layout/vProcess5"/>
+    <dgm:cxn modelId="{88656897-8DDA-C44F-A16F-98AFC47EE23C}" type="presParOf" srcId="{8B63B804-BF5C-4392-BBFD-7CC52D9052DB}" destId="{6F87916F-8CC9-AE4D-BD35-815775584019}" srcOrd="6" destOrd="0" presId="urn:microsoft.com/office/officeart/2005/8/layout/vProcess5"/>
+    <dgm:cxn modelId="{3F27BFCA-C184-A24F-93FB-98D14FB0C79E}" type="presParOf" srcId="{8B63B804-BF5C-4392-BBFD-7CC52D9052DB}" destId="{000FD56E-E770-014D-B2A1-009C523BD99D}" srcOrd="7" destOrd="0" presId="urn:microsoft.com/office/officeart/2005/8/layout/vProcess5"/>
+    <dgm:cxn modelId="{313189CB-9C10-4347-947C-8E9DE50A9187}" type="presParOf" srcId="{8B63B804-BF5C-4392-BBFD-7CC52D9052DB}" destId="{4D93954A-0630-9D4F-8D11-4E9203736F16}" srcOrd="8" destOrd="0" presId="urn:microsoft.com/office/officeart/2005/8/layout/vProcess5"/>
+    <dgm:cxn modelId="{3C33E66F-E19E-2346-8356-4342F9E491F3}" type="presParOf" srcId="{8B63B804-BF5C-4392-BBFD-7CC52D9052DB}" destId="{D97A8BBB-604D-AE42-A272-4D6B2D49EA2A}" srcOrd="9" destOrd="0" presId="urn:microsoft.com/office/officeart/2005/8/layout/vProcess5"/>
+    <dgm:cxn modelId="{0CC61682-3208-7542-BC87-B3F0B17B43D5}" type="presParOf" srcId="{8B63B804-BF5C-4392-BBFD-7CC52D9052DB}" destId="{71969774-644F-8A44-AB2A-121A74728C63}" srcOrd="10" destOrd="0" presId="urn:microsoft.com/office/officeart/2005/8/layout/vProcess5"/>
+    <dgm:cxn modelId="{AF959163-D4BF-B84D-8E18-F232924C2785}" type="presParOf" srcId="{8B63B804-BF5C-4392-BBFD-7CC52D9052DB}" destId="{94E121BC-9B43-7947-B9C2-30B4BAF67D9F}" srcOrd="11" destOrd="0" presId="urn:microsoft.com/office/officeart/2005/8/layout/vProcess5"/>
   </dgm:cxnLst>
   <dgm:bg/>
   <dgm:whole/>
@@ -3731,10 +3768,28 @@
         <a:lstStyle/>
         <a:p>
           <a:r>
-            <a:rPr lang="en-GB"/>
-            <a:t>Using a recommended item framework – could use other customers with similar transactions to recommend alternative products ‘similar shopper also bought this’</a:t>
+            <a:rPr lang="en-GB" dirty="0"/>
+            <a:t>Using a recommended item framework – could use other customers with similar transactions to recommend alternative or similar products </a:t>
           </a:r>
-          <a:endParaRPr lang="en-US"/>
+        </a:p>
+        <a:p>
+          <a:r>
+            <a:rPr lang="en-GB" dirty="0"/>
+            <a:t>‘similar shopper also bought this other item’</a:t>
+          </a:r>
+        </a:p>
+        <a:p>
+          <a:r>
+            <a:rPr lang="en-GB" dirty="0"/>
+            <a:t>Or </a:t>
+          </a:r>
+        </a:p>
+        <a:p>
+          <a:r>
+            <a:rPr lang="en-GB" dirty="0"/>
+            <a:t>‘similar shopper bought this other item in the same category’</a:t>
+          </a:r>
+          <a:endParaRPr lang="en-US" dirty="0"/>
         </a:p>
       </dgm:t>
     </dgm:pt>
@@ -3851,9 +3906,9 @@
     <dgm:cxn modelId="{415F110C-2070-421B-A4D5-D065BBAB7B68}" type="presOf" srcId="{5512F37F-4E97-4BBB-A56A-A50B59AC7012}" destId="{7D3F0619-2725-44F0-8706-60AB012A3311}" srcOrd="0" destOrd="0" presId="urn:microsoft.com/office/officeart/2016/7/layout/BasicLinearProcessNumbered"/>
     <dgm:cxn modelId="{C8CAEC20-9E77-48F8-8A90-0A1648751BC3}" type="presOf" srcId="{44C56899-8A30-4A9F-A034-7401C90C311F}" destId="{6C4D4054-9EA9-46A5-BC65-B9436BDE4039}" srcOrd="1" destOrd="0" presId="urn:microsoft.com/office/officeart/2016/7/layout/BasicLinearProcessNumbered"/>
     <dgm:cxn modelId="{EC2A5E35-EF50-47CA-BD72-47754F5412BA}" type="presOf" srcId="{9B747C23-A2BC-4303-AA46-27509980E742}" destId="{55BA1740-67F8-4599-BB00-0EFED74BB893}" srcOrd="0" destOrd="0" presId="urn:microsoft.com/office/officeart/2016/7/layout/BasicLinearProcessNumbered"/>
+    <dgm:cxn modelId="{AB6E6E55-7EBB-4FA2-B81B-61DF73F67013}" srcId="{9B747C23-A2BC-4303-AA46-27509980E742}" destId="{4C86E33C-6B3A-45B9-B8E8-E709FDA56FE5}" srcOrd="0" destOrd="0" parTransId="{56B3EB2C-6959-403C-B751-435A967C0808}" sibTransId="{5512F37F-4E97-4BBB-A56A-A50B59AC7012}"/>
     <dgm:cxn modelId="{85872470-417D-4F10-BC63-860CC5B31817}" type="presOf" srcId="{4C86E33C-6B3A-45B9-B8E8-E709FDA56FE5}" destId="{3DDBCF3F-1220-445E-9E9B-D7370125553A}" srcOrd="0" destOrd="0" presId="urn:microsoft.com/office/officeart/2016/7/layout/BasicLinearProcessNumbered"/>
     <dgm:cxn modelId="{0CECFB72-3BB8-44F6-B545-ED2BA2DDC592}" type="presOf" srcId="{4C86E33C-6B3A-45B9-B8E8-E709FDA56FE5}" destId="{3CBFA072-134E-499F-8DD5-FC7180ADBD94}" srcOrd="1" destOrd="0" presId="urn:microsoft.com/office/officeart/2016/7/layout/BasicLinearProcessNumbered"/>
-    <dgm:cxn modelId="{AB6E6E55-7EBB-4FA2-B81B-61DF73F67013}" srcId="{9B747C23-A2BC-4303-AA46-27509980E742}" destId="{4C86E33C-6B3A-45B9-B8E8-E709FDA56FE5}" srcOrd="0" destOrd="0" parTransId="{56B3EB2C-6959-403C-B751-435A967C0808}" sibTransId="{5512F37F-4E97-4BBB-A56A-A50B59AC7012}"/>
     <dgm:cxn modelId="{5D9C3ACF-CBEB-44B9-BFC4-F8C83A0B1DA7}" srcId="{9B747C23-A2BC-4303-AA46-27509980E742}" destId="{44C56899-8A30-4A9F-A034-7401C90C311F}" srcOrd="1" destOrd="0" parTransId="{4DBAFD8C-F6CF-4A42-AEFD-7C6AC800EED2}" sibTransId="{6D03EB9A-F94E-4FA4-AC12-8A7394CD7688}"/>
     <dgm:cxn modelId="{9024B4DA-1E63-48A1-A2AE-999EFCAE6D54}" type="presOf" srcId="{44C56899-8A30-4A9F-A034-7401C90C311F}" destId="{6778DA9D-233E-4944-858E-AD66C0DD4069}" srcOrd="0" destOrd="0" presId="urn:microsoft.com/office/officeart/2016/7/layout/BasicLinearProcessNumbered"/>
     <dgm:cxn modelId="{48F7C5DB-3232-4FF5-B81E-B425EBB7B63E}" type="presOf" srcId="{6D03EB9A-F94E-4FA4-AC12-8A7394CD7688}" destId="{CA58BEC5-7304-4D9B-8A23-B07476451CDE}" srcOrd="0" destOrd="0" presId="urn:microsoft.com/office/officeart/2016/7/layout/BasicLinearProcessNumbered"/>
@@ -3901,10 +3956,10 @@
         <a:lstStyle/>
         <a:p>
           <a:r>
-            <a:rPr lang="en-GB"/>
+            <a:rPr lang="en-GB" dirty="0"/>
             <a:t>Clean up code and add tests to ensure data quality and alerts if data is missing or problematic</a:t>
           </a:r>
-          <a:endParaRPr lang="en-US"/>
+          <a:endParaRPr lang="en-US" dirty="0"/>
         </a:p>
       </dgm:t>
     </dgm:pt>
@@ -4093,6 +4148,45 @@
         </a:p>
       </dgm:t>
     </dgm:pt>
+    <dgm:pt modelId="{AAF6CE17-E5C1-AD42-BAB7-7942527849FD}">
+      <dgm:prSet/>
+      <dgm:spPr/>
+      <dgm:t>
+        <a:bodyPr/>
+        <a:lstStyle/>
+        <a:p>
+          <a:r>
+            <a:rPr lang="en-GB" dirty="0"/>
+            <a:t>Multi Armed Bandit - reinforcement learning method to direct traffic at different versions and learn which is best</a:t>
+          </a:r>
+        </a:p>
+      </dgm:t>
+    </dgm:pt>
+    <dgm:pt modelId="{8565AC43-6F0A-6C4C-8D07-1BD31CD9BDB0}" type="parTrans" cxnId="{67CBF3F2-AA55-DE42-90A5-734F0DB4815F}">
+      <dgm:prSet/>
+      <dgm:spPr/>
+      <dgm:t>
+        <a:bodyPr/>
+        <a:lstStyle/>
+        <a:p>
+          <a:endParaRPr lang="en-GB"/>
+        </a:p>
+      </dgm:t>
+    </dgm:pt>
+    <dgm:pt modelId="{C1E768E5-4F42-6342-A37A-F572D9A9E3FA}" type="sibTrans" cxnId="{67CBF3F2-AA55-DE42-90A5-734F0DB4815F}">
+      <dgm:prSet phldrT="6" phldr="0"/>
+      <dgm:spPr/>
+      <dgm:t>
+        <a:bodyPr/>
+        <a:lstStyle/>
+        <a:p>
+          <a:r>
+            <a:rPr lang="en-GB"/>
+            <a:t>6</a:t>
+          </a:r>
+        </a:p>
+      </dgm:t>
+    </dgm:pt>
     <dgm:pt modelId="{617F2C3A-17A6-499F-A5D3-AC32503711BC}" type="pres">
       <dgm:prSet presAssocID="{2265806D-2145-4B39-8E71-657ECECF33A6}" presName="Name0" presStyleCnt="0">
         <dgm:presLayoutVars>
@@ -4111,11 +4205,11 @@
       <dgm:spPr/>
     </dgm:pt>
     <dgm:pt modelId="{C46D9165-359E-4F64-A12A-85956D12AB29}" type="pres">
-      <dgm:prSet presAssocID="{81F752DE-9549-49B8-8B32-F202A7445E1A}" presName="bgRect" presStyleLbl="bgAccFollowNode1" presStyleIdx="0" presStyleCnt="5"/>
+      <dgm:prSet presAssocID="{81F752DE-9549-49B8-8B32-F202A7445E1A}" presName="bgRect" presStyleLbl="bgAccFollowNode1" presStyleIdx="0" presStyleCnt="6"/>
       <dgm:spPr/>
     </dgm:pt>
     <dgm:pt modelId="{78C93E8D-BF6B-444A-9D02-CE52D9139512}" type="pres">
-      <dgm:prSet presAssocID="{4FF75DFE-D8C8-4F24-B0BE-1AC51C4DEE34}" presName="sibTransNodeCircle" presStyleLbl="alignNode1" presStyleIdx="0" presStyleCnt="10">
+      <dgm:prSet presAssocID="{4FF75DFE-D8C8-4F24-B0BE-1AC51C4DEE34}" presName="sibTransNodeCircle" presStyleLbl="alignNode1" presStyleIdx="0" presStyleCnt="12">
         <dgm:presLayoutVars>
           <dgm:chMax val="0"/>
           <dgm:bulletEnabled/>
@@ -4124,13 +4218,13 @@
       <dgm:spPr/>
     </dgm:pt>
     <dgm:pt modelId="{6240F88B-1032-401E-A5D2-239D09973562}" type="pres">
-      <dgm:prSet presAssocID="{81F752DE-9549-49B8-8B32-F202A7445E1A}" presName="bottomLine" presStyleLbl="alignNode1" presStyleIdx="1" presStyleCnt="10">
+      <dgm:prSet presAssocID="{81F752DE-9549-49B8-8B32-F202A7445E1A}" presName="bottomLine" presStyleLbl="alignNode1" presStyleIdx="1" presStyleCnt="12">
         <dgm:presLayoutVars/>
       </dgm:prSet>
       <dgm:spPr/>
     </dgm:pt>
     <dgm:pt modelId="{802C8F68-679D-4F63-BE38-F16B542FD4D1}" type="pres">
-      <dgm:prSet presAssocID="{81F752DE-9549-49B8-8B32-F202A7445E1A}" presName="nodeText" presStyleLbl="bgAccFollowNode1" presStyleIdx="0" presStyleCnt="5">
+      <dgm:prSet presAssocID="{81F752DE-9549-49B8-8B32-F202A7445E1A}" presName="nodeText" presStyleLbl="bgAccFollowNode1" presStyleIdx="0" presStyleCnt="6">
         <dgm:presLayoutVars>
           <dgm:bulletEnabled val="1"/>
         </dgm:presLayoutVars>
@@ -4150,11 +4244,11 @@
       <dgm:spPr/>
     </dgm:pt>
     <dgm:pt modelId="{CE484607-3790-485D-B2AD-FF5B3A2CA13E}" type="pres">
-      <dgm:prSet presAssocID="{1335B589-013F-4576-B27B-43E705746BED}" presName="bgRect" presStyleLbl="bgAccFollowNode1" presStyleIdx="1" presStyleCnt="5"/>
+      <dgm:prSet presAssocID="{1335B589-013F-4576-B27B-43E705746BED}" presName="bgRect" presStyleLbl="bgAccFollowNode1" presStyleIdx="1" presStyleCnt="6"/>
       <dgm:spPr/>
     </dgm:pt>
     <dgm:pt modelId="{173DC1AA-2B99-45B8-B4B5-592B5976CFB5}" type="pres">
-      <dgm:prSet presAssocID="{BC8C320A-7CD5-4928-9A17-5D3210492CCD}" presName="sibTransNodeCircle" presStyleLbl="alignNode1" presStyleIdx="2" presStyleCnt="10">
+      <dgm:prSet presAssocID="{BC8C320A-7CD5-4928-9A17-5D3210492CCD}" presName="sibTransNodeCircle" presStyleLbl="alignNode1" presStyleIdx="2" presStyleCnt="12">
         <dgm:presLayoutVars>
           <dgm:chMax val="0"/>
           <dgm:bulletEnabled/>
@@ -4163,13 +4257,13 @@
       <dgm:spPr/>
     </dgm:pt>
     <dgm:pt modelId="{E57EEB84-9B0C-4BA4-A2F7-D0CE61790620}" type="pres">
-      <dgm:prSet presAssocID="{1335B589-013F-4576-B27B-43E705746BED}" presName="bottomLine" presStyleLbl="alignNode1" presStyleIdx="3" presStyleCnt="10">
+      <dgm:prSet presAssocID="{1335B589-013F-4576-B27B-43E705746BED}" presName="bottomLine" presStyleLbl="alignNode1" presStyleIdx="3" presStyleCnt="12">
         <dgm:presLayoutVars/>
       </dgm:prSet>
       <dgm:spPr/>
     </dgm:pt>
     <dgm:pt modelId="{90BF03F0-55F2-48B1-9DFC-2E6386574FB1}" type="pres">
-      <dgm:prSet presAssocID="{1335B589-013F-4576-B27B-43E705746BED}" presName="nodeText" presStyleLbl="bgAccFollowNode1" presStyleIdx="1" presStyleCnt="5">
+      <dgm:prSet presAssocID="{1335B589-013F-4576-B27B-43E705746BED}" presName="nodeText" presStyleLbl="bgAccFollowNode1" presStyleIdx="1" presStyleCnt="6">
         <dgm:presLayoutVars>
           <dgm:bulletEnabled val="1"/>
         </dgm:presLayoutVars>
@@ -4189,11 +4283,11 @@
       <dgm:spPr/>
     </dgm:pt>
     <dgm:pt modelId="{495F65AB-D7B4-460A-A4B8-73B8C653ACAA}" type="pres">
-      <dgm:prSet presAssocID="{9F9B0A6B-76BA-404F-A308-76BD439BE6FE}" presName="bgRect" presStyleLbl="bgAccFollowNode1" presStyleIdx="2" presStyleCnt="5"/>
+      <dgm:prSet presAssocID="{9F9B0A6B-76BA-404F-A308-76BD439BE6FE}" presName="bgRect" presStyleLbl="bgAccFollowNode1" presStyleIdx="2" presStyleCnt="6"/>
       <dgm:spPr/>
     </dgm:pt>
     <dgm:pt modelId="{E99B1B1D-41D8-44EC-991F-2D73BC58E1F1}" type="pres">
-      <dgm:prSet presAssocID="{545522D1-DB07-426D-B62A-37A67399540E}" presName="sibTransNodeCircle" presStyleLbl="alignNode1" presStyleIdx="4" presStyleCnt="10">
+      <dgm:prSet presAssocID="{545522D1-DB07-426D-B62A-37A67399540E}" presName="sibTransNodeCircle" presStyleLbl="alignNode1" presStyleIdx="4" presStyleCnt="12">
         <dgm:presLayoutVars>
           <dgm:chMax val="0"/>
           <dgm:bulletEnabled/>
@@ -4202,13 +4296,13 @@
       <dgm:spPr/>
     </dgm:pt>
     <dgm:pt modelId="{B6A7A0F3-8E36-405B-BC01-5DE57E132C45}" type="pres">
-      <dgm:prSet presAssocID="{9F9B0A6B-76BA-404F-A308-76BD439BE6FE}" presName="bottomLine" presStyleLbl="alignNode1" presStyleIdx="5" presStyleCnt="10">
+      <dgm:prSet presAssocID="{9F9B0A6B-76BA-404F-A308-76BD439BE6FE}" presName="bottomLine" presStyleLbl="alignNode1" presStyleIdx="5" presStyleCnt="12">
         <dgm:presLayoutVars/>
       </dgm:prSet>
       <dgm:spPr/>
     </dgm:pt>
     <dgm:pt modelId="{B429DA49-4BAA-4CBE-9232-5E988063432D}" type="pres">
-      <dgm:prSet presAssocID="{9F9B0A6B-76BA-404F-A308-76BD439BE6FE}" presName="nodeText" presStyleLbl="bgAccFollowNode1" presStyleIdx="2" presStyleCnt="5">
+      <dgm:prSet presAssocID="{9F9B0A6B-76BA-404F-A308-76BD439BE6FE}" presName="nodeText" presStyleLbl="bgAccFollowNode1" presStyleIdx="2" presStyleCnt="6">
         <dgm:presLayoutVars>
           <dgm:bulletEnabled val="1"/>
         </dgm:presLayoutVars>
@@ -4228,11 +4322,11 @@
       <dgm:spPr/>
     </dgm:pt>
     <dgm:pt modelId="{48597850-21D9-4B41-B81A-A74302DC8D7B}" type="pres">
-      <dgm:prSet presAssocID="{2F6BF47F-DF10-4B31-94C0-82D3D6F9DB34}" presName="bgRect" presStyleLbl="bgAccFollowNode1" presStyleIdx="3" presStyleCnt="5"/>
+      <dgm:prSet presAssocID="{2F6BF47F-DF10-4B31-94C0-82D3D6F9DB34}" presName="bgRect" presStyleLbl="bgAccFollowNode1" presStyleIdx="3" presStyleCnt="6"/>
       <dgm:spPr/>
     </dgm:pt>
     <dgm:pt modelId="{6594A21D-42D1-4A79-AEE9-941163495252}" type="pres">
-      <dgm:prSet presAssocID="{417A1F64-FD9D-46E6-BEA0-30073205240D}" presName="sibTransNodeCircle" presStyleLbl="alignNode1" presStyleIdx="6" presStyleCnt="10">
+      <dgm:prSet presAssocID="{417A1F64-FD9D-46E6-BEA0-30073205240D}" presName="sibTransNodeCircle" presStyleLbl="alignNode1" presStyleIdx="6" presStyleCnt="12">
         <dgm:presLayoutVars>
           <dgm:chMax val="0"/>
           <dgm:bulletEnabled/>
@@ -4241,13 +4335,13 @@
       <dgm:spPr/>
     </dgm:pt>
     <dgm:pt modelId="{2267C639-322B-480B-BA00-8E08F3C9B16C}" type="pres">
-      <dgm:prSet presAssocID="{2F6BF47F-DF10-4B31-94C0-82D3D6F9DB34}" presName="bottomLine" presStyleLbl="alignNode1" presStyleIdx="7" presStyleCnt="10">
+      <dgm:prSet presAssocID="{2F6BF47F-DF10-4B31-94C0-82D3D6F9DB34}" presName="bottomLine" presStyleLbl="alignNode1" presStyleIdx="7" presStyleCnt="12">
         <dgm:presLayoutVars/>
       </dgm:prSet>
       <dgm:spPr/>
     </dgm:pt>
     <dgm:pt modelId="{3D6815BA-EA2E-45C6-98C3-6108177D6070}" type="pres">
-      <dgm:prSet presAssocID="{2F6BF47F-DF10-4B31-94C0-82D3D6F9DB34}" presName="nodeText" presStyleLbl="bgAccFollowNode1" presStyleIdx="3" presStyleCnt="5">
+      <dgm:prSet presAssocID="{2F6BF47F-DF10-4B31-94C0-82D3D6F9DB34}" presName="nodeText" presStyleLbl="bgAccFollowNode1" presStyleIdx="3" presStyleCnt="6">
         <dgm:presLayoutVars>
           <dgm:bulletEnabled val="1"/>
         </dgm:presLayoutVars>
@@ -4267,11 +4361,11 @@
       <dgm:spPr/>
     </dgm:pt>
     <dgm:pt modelId="{438178C2-78CD-44D0-B726-5F1905A812F0}" type="pres">
-      <dgm:prSet presAssocID="{3B74F5B2-05C0-462C-A58E-6B9A6A7113CD}" presName="bgRect" presStyleLbl="bgAccFollowNode1" presStyleIdx="4" presStyleCnt="5"/>
+      <dgm:prSet presAssocID="{3B74F5B2-05C0-462C-A58E-6B9A6A7113CD}" presName="bgRect" presStyleLbl="bgAccFollowNode1" presStyleIdx="4" presStyleCnt="6"/>
       <dgm:spPr/>
     </dgm:pt>
     <dgm:pt modelId="{E941CB69-98ED-4276-A88B-E3E04B14639D}" type="pres">
-      <dgm:prSet presAssocID="{8450C796-1B42-425B-9392-791D2AB5D608}" presName="sibTransNodeCircle" presStyleLbl="alignNode1" presStyleIdx="8" presStyleCnt="10">
+      <dgm:prSet presAssocID="{8450C796-1B42-425B-9392-791D2AB5D608}" presName="sibTransNodeCircle" presStyleLbl="alignNode1" presStyleIdx="8" presStyleCnt="12">
         <dgm:presLayoutVars>
           <dgm:chMax val="0"/>
           <dgm:bulletEnabled/>
@@ -4280,13 +4374,52 @@
       <dgm:spPr/>
     </dgm:pt>
     <dgm:pt modelId="{8F53F574-5C51-4D2C-95DD-76588C3997DB}" type="pres">
-      <dgm:prSet presAssocID="{3B74F5B2-05C0-462C-A58E-6B9A6A7113CD}" presName="bottomLine" presStyleLbl="alignNode1" presStyleIdx="9" presStyleCnt="10">
+      <dgm:prSet presAssocID="{3B74F5B2-05C0-462C-A58E-6B9A6A7113CD}" presName="bottomLine" presStyleLbl="alignNode1" presStyleIdx="9" presStyleCnt="12">
         <dgm:presLayoutVars/>
       </dgm:prSet>
       <dgm:spPr/>
     </dgm:pt>
     <dgm:pt modelId="{E4D086F0-54FB-4EC4-B05A-581753A9DB4A}" type="pres">
-      <dgm:prSet presAssocID="{3B74F5B2-05C0-462C-A58E-6B9A6A7113CD}" presName="nodeText" presStyleLbl="bgAccFollowNode1" presStyleIdx="4" presStyleCnt="5">
+      <dgm:prSet presAssocID="{3B74F5B2-05C0-462C-A58E-6B9A6A7113CD}" presName="nodeText" presStyleLbl="bgAccFollowNode1" presStyleIdx="4" presStyleCnt="6">
+        <dgm:presLayoutVars>
+          <dgm:bulletEnabled val="1"/>
+        </dgm:presLayoutVars>
+      </dgm:prSet>
+      <dgm:spPr/>
+    </dgm:pt>
+    <dgm:pt modelId="{0787ECCC-1190-1E4C-B7FE-AE6693A1DB88}" type="pres">
+      <dgm:prSet presAssocID="{8450C796-1B42-425B-9392-791D2AB5D608}" presName="sibTrans" presStyleCnt="0"/>
+      <dgm:spPr/>
+    </dgm:pt>
+    <dgm:pt modelId="{B1109970-74D8-6944-9B99-858475CF1696}" type="pres">
+      <dgm:prSet presAssocID="{AAF6CE17-E5C1-AD42-BAB7-7942527849FD}" presName="compositeNode" presStyleCnt="0">
+        <dgm:presLayoutVars>
+          <dgm:bulletEnabled val="1"/>
+        </dgm:presLayoutVars>
+      </dgm:prSet>
+      <dgm:spPr/>
+    </dgm:pt>
+    <dgm:pt modelId="{E9F8B1B6-A040-9743-ABBC-F1E8BC6D2A69}" type="pres">
+      <dgm:prSet presAssocID="{AAF6CE17-E5C1-AD42-BAB7-7942527849FD}" presName="bgRect" presStyleLbl="bgAccFollowNode1" presStyleIdx="5" presStyleCnt="6"/>
+      <dgm:spPr/>
+    </dgm:pt>
+    <dgm:pt modelId="{450B140F-13A8-9649-8EB0-4DDC9C8B07C6}" type="pres">
+      <dgm:prSet presAssocID="{C1E768E5-4F42-6342-A37A-F572D9A9E3FA}" presName="sibTransNodeCircle" presStyleLbl="alignNode1" presStyleIdx="10" presStyleCnt="12">
+        <dgm:presLayoutVars>
+          <dgm:chMax val="0"/>
+          <dgm:bulletEnabled/>
+        </dgm:presLayoutVars>
+      </dgm:prSet>
+      <dgm:spPr/>
+    </dgm:pt>
+    <dgm:pt modelId="{23B86F74-A1DE-4244-BCE7-D2A9C5E08F7E}" type="pres">
+      <dgm:prSet presAssocID="{AAF6CE17-E5C1-AD42-BAB7-7942527849FD}" presName="bottomLine" presStyleLbl="alignNode1" presStyleIdx="11" presStyleCnt="12">
+        <dgm:presLayoutVars/>
+      </dgm:prSet>
+      <dgm:spPr/>
+    </dgm:pt>
+    <dgm:pt modelId="{93F2EAF4-2158-0944-9801-A6ED57DD2451}" type="pres">
+      <dgm:prSet presAssocID="{AAF6CE17-E5C1-AD42-BAB7-7942527849FD}" presName="nodeText" presStyleLbl="bgAccFollowNode1" presStyleIdx="5" presStyleCnt="6">
         <dgm:presLayoutVars>
           <dgm:bulletEnabled val="1"/>
         </dgm:presLayoutVars>
@@ -4301,9 +4434,12 @@
     <dgm:cxn modelId="{0AA2192B-27BB-4681-BF99-D764A258B261}" type="presOf" srcId="{2F6BF47F-DF10-4B31-94C0-82D3D6F9DB34}" destId="{48597850-21D9-4B41-B81A-A74302DC8D7B}" srcOrd="0" destOrd="0" presId="urn:microsoft.com/office/officeart/2016/7/layout/BasicLinearProcessNumbered"/>
     <dgm:cxn modelId="{687BBE30-4538-42E5-AD49-0F9B41483D02}" type="presOf" srcId="{81F752DE-9549-49B8-8B32-F202A7445E1A}" destId="{802C8F68-679D-4F63-BE38-F16B542FD4D1}" srcOrd="1" destOrd="0" presId="urn:microsoft.com/office/officeart/2016/7/layout/BasicLinearProcessNumbered"/>
     <dgm:cxn modelId="{847ADD36-4DD2-4037-85BF-5BE2B041639A}" srcId="{2265806D-2145-4B39-8E71-657ECECF33A6}" destId="{81F752DE-9549-49B8-8B32-F202A7445E1A}" srcOrd="0" destOrd="0" parTransId="{01A9A95D-1E60-4B39-85DD-4BDE82391E7D}" sibTransId="{4FF75DFE-D8C8-4F24-B0BE-1AC51C4DEE34}"/>
-    <dgm:cxn modelId="{1265515F-49BE-4364-BD88-B44D1036A83B}" type="presOf" srcId="{1335B589-013F-4576-B27B-43E705746BED}" destId="{CE484607-3790-485D-B2AD-FF5B3A2CA13E}" srcOrd="0" destOrd="0" presId="urn:microsoft.com/office/officeart/2016/7/layout/BasicLinearProcessNumbered"/>
+    <dgm:cxn modelId="{CC9CEF3A-EABB-1244-977A-7446988B6E55}" type="presOf" srcId="{AAF6CE17-E5C1-AD42-BAB7-7942527849FD}" destId="{E9F8B1B6-A040-9743-ABBC-F1E8BC6D2A69}" srcOrd="0" destOrd="0" presId="urn:microsoft.com/office/officeart/2016/7/layout/BasicLinearProcessNumbered"/>
     <dgm:cxn modelId="{16F6E94A-C52C-4277-8180-D77129764249}" srcId="{2265806D-2145-4B39-8E71-657ECECF33A6}" destId="{1335B589-013F-4576-B27B-43E705746BED}" srcOrd="1" destOrd="0" parTransId="{BBFAF53A-646F-428A-968C-DEF54BD47122}" sibTransId="{BC8C320A-7CD5-4928-9A17-5D3210492CCD}"/>
     <dgm:cxn modelId="{17C8BC52-F6B1-4A76-9270-FF5AEF4E78BE}" type="presOf" srcId="{4FF75DFE-D8C8-4F24-B0BE-1AC51C4DEE34}" destId="{78C93E8D-BF6B-444A-9D02-CE52D9139512}" srcOrd="0" destOrd="0" presId="urn:microsoft.com/office/officeart/2016/7/layout/BasicLinearProcessNumbered"/>
+    <dgm:cxn modelId="{1265515F-49BE-4364-BD88-B44D1036A83B}" type="presOf" srcId="{1335B589-013F-4576-B27B-43E705746BED}" destId="{CE484607-3790-485D-B2AD-FF5B3A2CA13E}" srcOrd="0" destOrd="0" presId="urn:microsoft.com/office/officeart/2016/7/layout/BasicLinearProcessNumbered"/>
+    <dgm:cxn modelId="{28FD4D64-8684-8A4D-9107-18E5EFE675B0}" type="presOf" srcId="{C1E768E5-4F42-6342-A37A-F572D9A9E3FA}" destId="{450B140F-13A8-9649-8EB0-4DDC9C8B07C6}" srcOrd="0" destOrd="0" presId="urn:microsoft.com/office/officeart/2016/7/layout/BasicLinearProcessNumbered"/>
+    <dgm:cxn modelId="{291EC96E-5CE0-8B40-972D-A1A62909FE05}" type="presOf" srcId="{AAF6CE17-E5C1-AD42-BAB7-7942527849FD}" destId="{93F2EAF4-2158-0944-9801-A6ED57DD2451}" srcOrd="1" destOrd="0" presId="urn:microsoft.com/office/officeart/2016/7/layout/BasicLinearProcessNumbered"/>
     <dgm:cxn modelId="{73CE9778-D482-4285-8236-AAEC61A459CC}" type="presOf" srcId="{2F6BF47F-DF10-4B31-94C0-82D3D6F9DB34}" destId="{3D6815BA-EA2E-45C6-98C3-6108177D6070}" srcOrd="1" destOrd="0" presId="urn:microsoft.com/office/officeart/2016/7/layout/BasicLinearProcessNumbered"/>
     <dgm:cxn modelId="{A8C2FD7F-AF4A-476D-8A9C-71568137F8D7}" srcId="{2265806D-2145-4B39-8E71-657ECECF33A6}" destId="{3B74F5B2-05C0-462C-A58E-6B9A6A7113CD}" srcOrd="4" destOrd="0" parTransId="{84597277-FAC6-4251-9BA8-70852DFA15EC}" sibTransId="{8450C796-1B42-425B-9392-791D2AB5D608}"/>
     <dgm:cxn modelId="{E2F82F80-A6B8-4857-A02D-1446417C5C0C}" type="presOf" srcId="{3B74F5B2-05C0-462C-A58E-6B9A6A7113CD}" destId="{438178C2-78CD-44D0-B726-5F1905A812F0}" srcOrd="0" destOrd="0" presId="urn:microsoft.com/office/officeart/2016/7/layout/BasicLinearProcessNumbered"/>
@@ -4315,6 +4451,7 @@
     <dgm:cxn modelId="{25E4B1D1-DFCA-489C-8F97-5C7DE2273148}" type="presOf" srcId="{3B74F5B2-05C0-462C-A58E-6B9A6A7113CD}" destId="{E4D086F0-54FB-4EC4-B05A-581753A9DB4A}" srcOrd="1" destOrd="0" presId="urn:microsoft.com/office/officeart/2016/7/layout/BasicLinearProcessNumbered"/>
     <dgm:cxn modelId="{AC87CCD6-2BD2-4831-987C-F26716DA70E2}" type="presOf" srcId="{417A1F64-FD9D-46E6-BEA0-30073205240D}" destId="{6594A21D-42D1-4A79-AEE9-941163495252}" srcOrd="0" destOrd="0" presId="urn:microsoft.com/office/officeart/2016/7/layout/BasicLinearProcessNumbered"/>
     <dgm:cxn modelId="{5F046DDC-0060-49A6-8EE7-0E61DE3FFE6C}" type="presOf" srcId="{1335B589-013F-4576-B27B-43E705746BED}" destId="{90BF03F0-55F2-48B1-9DFC-2E6386574FB1}" srcOrd="1" destOrd="0" presId="urn:microsoft.com/office/officeart/2016/7/layout/BasicLinearProcessNumbered"/>
+    <dgm:cxn modelId="{67CBF3F2-AA55-DE42-90A5-734F0DB4815F}" srcId="{2265806D-2145-4B39-8E71-657ECECF33A6}" destId="{AAF6CE17-E5C1-AD42-BAB7-7942527849FD}" srcOrd="5" destOrd="0" parTransId="{8565AC43-6F0A-6C4C-8D07-1BD31CD9BDB0}" sibTransId="{C1E768E5-4F42-6342-A37A-F572D9A9E3FA}"/>
     <dgm:cxn modelId="{EA1C58F3-BA9B-459C-992C-5072C6679D61}" type="presOf" srcId="{2265806D-2145-4B39-8E71-657ECECF33A6}" destId="{617F2C3A-17A6-499F-A5D3-AC32503711BC}" srcOrd="0" destOrd="0" presId="urn:microsoft.com/office/officeart/2016/7/layout/BasicLinearProcessNumbered"/>
     <dgm:cxn modelId="{67F1AD86-1CAF-4579-B108-25FAF1C0AB4B}" type="presParOf" srcId="{617F2C3A-17A6-499F-A5D3-AC32503711BC}" destId="{E627A97E-0E41-484B-94F0-ADCAE40B780C}" srcOrd="0" destOrd="0" presId="urn:microsoft.com/office/officeart/2016/7/layout/BasicLinearProcessNumbered"/>
     <dgm:cxn modelId="{48C635CE-2FE4-4FF8-8BDB-49AAA97AFA88}" type="presParOf" srcId="{E627A97E-0E41-484B-94F0-ADCAE40B780C}" destId="{C46D9165-359E-4F64-A12A-85956D12AB29}" srcOrd="0" destOrd="0" presId="urn:microsoft.com/office/officeart/2016/7/layout/BasicLinearProcessNumbered"/>
@@ -4345,6 +4482,12 @@
     <dgm:cxn modelId="{6FAF35FE-5373-4188-91E8-A37774FC6FD6}" type="presParOf" srcId="{18E3A1EA-5F41-42CC-A2C9-E59F8AD482A8}" destId="{E941CB69-98ED-4276-A88B-E3E04B14639D}" srcOrd="1" destOrd="0" presId="urn:microsoft.com/office/officeart/2016/7/layout/BasicLinearProcessNumbered"/>
     <dgm:cxn modelId="{7E5A4B0A-522C-47E9-9ACC-F4F2981A3412}" type="presParOf" srcId="{18E3A1EA-5F41-42CC-A2C9-E59F8AD482A8}" destId="{8F53F574-5C51-4D2C-95DD-76588C3997DB}" srcOrd="2" destOrd="0" presId="urn:microsoft.com/office/officeart/2016/7/layout/BasicLinearProcessNumbered"/>
     <dgm:cxn modelId="{45761777-BB03-4533-BA23-C76C6CC9DDBC}" type="presParOf" srcId="{18E3A1EA-5F41-42CC-A2C9-E59F8AD482A8}" destId="{E4D086F0-54FB-4EC4-B05A-581753A9DB4A}" srcOrd="3" destOrd="0" presId="urn:microsoft.com/office/officeart/2016/7/layout/BasicLinearProcessNumbered"/>
+    <dgm:cxn modelId="{D15350C9-83C0-3A44-9DA5-3C50AFFE758B}" type="presParOf" srcId="{617F2C3A-17A6-499F-A5D3-AC32503711BC}" destId="{0787ECCC-1190-1E4C-B7FE-AE6693A1DB88}" srcOrd="9" destOrd="0" presId="urn:microsoft.com/office/officeart/2016/7/layout/BasicLinearProcessNumbered"/>
+    <dgm:cxn modelId="{6CBBFDE2-E7FA-3348-86E5-9E6AA8936776}" type="presParOf" srcId="{617F2C3A-17A6-499F-A5D3-AC32503711BC}" destId="{B1109970-74D8-6944-9B99-858475CF1696}" srcOrd="10" destOrd="0" presId="urn:microsoft.com/office/officeart/2016/7/layout/BasicLinearProcessNumbered"/>
+    <dgm:cxn modelId="{05B1858D-59C7-1A48-866A-C2D62B3EF318}" type="presParOf" srcId="{B1109970-74D8-6944-9B99-858475CF1696}" destId="{E9F8B1B6-A040-9743-ABBC-F1E8BC6D2A69}" srcOrd="0" destOrd="0" presId="urn:microsoft.com/office/officeart/2016/7/layout/BasicLinearProcessNumbered"/>
+    <dgm:cxn modelId="{70F46A94-4E07-EC44-91C0-D4B5C63B82D2}" type="presParOf" srcId="{B1109970-74D8-6944-9B99-858475CF1696}" destId="{450B140F-13A8-9649-8EB0-4DDC9C8B07C6}" srcOrd="1" destOrd="0" presId="urn:microsoft.com/office/officeart/2016/7/layout/BasicLinearProcessNumbered"/>
+    <dgm:cxn modelId="{F41D1ABD-25D7-DA47-A72B-B30763112F5D}" type="presParOf" srcId="{B1109970-74D8-6944-9B99-858475CF1696}" destId="{23B86F74-A1DE-4244-BCE7-D2A9C5E08F7E}" srcOrd="2" destOrd="0" presId="urn:microsoft.com/office/officeart/2016/7/layout/BasicLinearProcessNumbered"/>
+    <dgm:cxn modelId="{87BC08D9-8E2F-3845-831A-ACEB2702A79A}" type="presParOf" srcId="{B1109970-74D8-6944-9B99-858475CF1696}" destId="{93F2EAF4-2158-0944-9801-A6ED57DD2451}" srcOrd="3" destOrd="0" presId="urn:microsoft.com/office/officeart/2016/7/layout/BasicLinearProcessNumbered"/>
   </dgm:cxnLst>
   <dgm:bg/>
   <dgm:whole/>
@@ -4640,7 +4783,7 @@
       <dsp:cNvGrpSpPr/>
     </dsp:nvGrpSpPr>
     <dsp:grpSpPr/>
-    <dsp:sp modelId="{9DBA6151-3583-4EB3-AF95-1E122281E780}">
+    <dsp:sp modelId="{3E7A2B3A-6174-4E48-B39E-0A29AD06FDD3}">
       <dsp:nvSpPr>
         <dsp:cNvPr id="0" name=""/>
         <dsp:cNvSpPr/>
@@ -4648,7 +4791,7 @@
       <dsp:spPr>
         <a:xfrm>
           <a:off x="0" y="0"/>
-          <a:ext cx="9288654" cy="1257841"/>
+          <a:ext cx="8742263" cy="922417"/>
         </a:xfrm>
         <a:prstGeom prst="roundRect">
           <a:avLst>
@@ -4710,43 +4853,33 @@
             <a:buNone/>
           </a:pPr>
           <a:r>
-            <a:rPr lang="en-US" sz="2400" kern="1200"/>
-            <a:t>Replace Hexcode categories with a ‘most common word’</a:t>
+            <a:rPr lang="en-US" sz="2400" kern="1200" dirty="0"/>
+            <a:t>Replace </a:t>
           </a:r>
-        </a:p>
-        <a:p>
-          <a:pPr marL="171450" lvl="1" indent="-171450" algn="l" defTabSz="844550">
-            <a:lnSpc>
-              <a:spcPct val="90000"/>
-            </a:lnSpc>
-            <a:spcBef>
-              <a:spcPct val="0"/>
-            </a:spcBef>
-            <a:spcAft>
-              <a:spcPct val="15000"/>
-            </a:spcAft>
-            <a:buChar char="•"/>
-          </a:pPr>
           <a:r>
-            <a:rPr lang="en-US" sz="1900" kern="1200" dirty="0"/>
-            <a:t>Could help with cosine similarity by including the categories in a new item description column</a:t>
+            <a:rPr lang="en-US" sz="2400" kern="1200" dirty="0" err="1"/>
+            <a:t>Hexcode</a:t>
+          </a:r>
+          <a:r>
+            <a:rPr lang="en-US" sz="2400" kern="1200" dirty="0"/>
+            <a:t> categories with a ‘most common word’</a:t>
           </a:r>
         </a:p>
       </dsp:txBody>
       <dsp:txXfrm>
-        <a:off x="36841" y="36841"/>
-        <a:ext cx="7931345" cy="1184159"/>
+        <a:off x="27017" y="27017"/>
+        <a:ext cx="7668958" cy="868383"/>
       </dsp:txXfrm>
     </dsp:sp>
-    <dsp:sp modelId="{8D416679-697D-45D4-9805-48C5C28E9A3C}">
+    <dsp:sp modelId="{2F77CFA3-5F9B-E248-8CC2-5ED640E1D51E}">
       <dsp:nvSpPr>
         <dsp:cNvPr id="0" name=""/>
         <dsp:cNvSpPr/>
       </dsp:nvSpPr>
       <dsp:spPr>
         <a:xfrm>
-          <a:off x="819587" y="1467481"/>
-          <a:ext cx="9288654" cy="1257841"/>
+          <a:off x="732164" y="1090129"/>
+          <a:ext cx="8742263" cy="922417"/>
         </a:xfrm>
         <a:prstGeom prst="roundRect">
           <a:avLst>
@@ -4755,9 +4888,9 @@
         </a:prstGeom>
         <a:solidFill>
           <a:schemeClr val="accent2">
-            <a:hueOff val="3221807"/>
-            <a:satOff val="-9246"/>
-            <a:lumOff val="-14805"/>
+            <a:hueOff val="2147871"/>
+            <a:satOff val="-6164"/>
+            <a:lumOff val="-9870"/>
             <a:alphaOff val="0"/>
           </a:schemeClr>
         </a:solidFill>
@@ -4814,19 +4947,99 @@
         </a:p>
       </dsp:txBody>
       <dsp:txXfrm>
-        <a:off x="856428" y="1504322"/>
-        <a:ext cx="7577788" cy="1184159"/>
+        <a:off x="759181" y="1117146"/>
+        <a:ext cx="7356493" cy="868383"/>
       </dsp:txXfrm>
     </dsp:sp>
-    <dsp:sp modelId="{17FCB155-38C5-41C2-8997-F6E916C47B59}">
+    <dsp:sp modelId="{46054889-2469-D445-ACD6-CAB871755282}">
       <dsp:nvSpPr>
         <dsp:cNvPr id="0" name=""/>
         <dsp:cNvSpPr/>
       </dsp:nvSpPr>
       <dsp:spPr>
         <a:xfrm>
-          <a:off x="1639174" y="2934963"/>
-          <a:ext cx="9288654" cy="1257841"/>
+          <a:off x="1453401" y="2180258"/>
+          <a:ext cx="8742263" cy="922417"/>
+        </a:xfrm>
+        <a:prstGeom prst="roundRect">
+          <a:avLst>
+            <a:gd name="adj" fmla="val 10000"/>
+          </a:avLst>
+        </a:prstGeom>
+        <a:solidFill>
+          <a:schemeClr val="accent2">
+            <a:hueOff val="4295743"/>
+            <a:satOff val="-12329"/>
+            <a:lumOff val="-19739"/>
+            <a:alphaOff val="0"/>
+          </a:schemeClr>
+        </a:solidFill>
+        <a:ln w="19050" cap="flat" cmpd="sng" algn="ctr">
+          <a:solidFill>
+            <a:schemeClr val="lt1">
+              <a:hueOff val="0"/>
+              <a:satOff val="0"/>
+              <a:lumOff val="0"/>
+              <a:alphaOff val="0"/>
+            </a:schemeClr>
+          </a:solidFill>
+          <a:prstDash val="solid"/>
+          <a:miter lim="800000"/>
+        </a:ln>
+        <a:effectLst/>
+      </dsp:spPr>
+      <dsp:style>
+        <a:lnRef idx="2">
+          <a:scrgbClr r="0" g="0" b="0"/>
+        </a:lnRef>
+        <a:fillRef idx="1">
+          <a:scrgbClr r="0" g="0" b="0"/>
+        </a:fillRef>
+        <a:effectRef idx="0">
+          <a:scrgbClr r="0" g="0" b="0"/>
+        </a:effectRef>
+        <a:fontRef idx="minor">
+          <a:schemeClr val="lt1"/>
+        </a:fontRef>
+      </dsp:style>
+      <dsp:txBody>
+        <a:bodyPr spcFirstLastPara="0" vert="horz" wrap="square" lIns="91440" tIns="91440" rIns="91440" bIns="91440" numCol="1" spcCol="1270" anchor="ctr" anchorCtr="0">
+          <a:noAutofit/>
+        </a:bodyPr>
+        <a:lstStyle/>
+        <a:p>
+          <a:pPr marL="0" lvl="0" indent="0" algn="l" defTabSz="1066800">
+            <a:lnSpc>
+              <a:spcPct val="90000"/>
+            </a:lnSpc>
+            <a:spcBef>
+              <a:spcPct val="0"/>
+            </a:spcBef>
+            <a:spcAft>
+              <a:spcPct val="35000"/>
+            </a:spcAft>
+            <a:buNone/>
+          </a:pPr>
+          <a:r>
+            <a:rPr lang="en-US" sz="2400" kern="1200" dirty="0"/>
+            <a:t>Fine Tuning model on our own data.</a:t>
+          </a:r>
+        </a:p>
+      </dsp:txBody>
+      <dsp:txXfrm>
+        <a:off x="1480418" y="2207275"/>
+        <a:ext cx="7367421" cy="868383"/>
+      </dsp:txXfrm>
+    </dsp:sp>
+    <dsp:sp modelId="{61E39620-303C-554D-BCD3-FCE0DFC7D5F8}">
+      <dsp:nvSpPr>
+        <dsp:cNvPr id="0" name=""/>
+        <dsp:cNvSpPr/>
+      </dsp:nvSpPr>
+      <dsp:spPr>
+        <a:xfrm>
+          <a:off x="2185565" y="3270387"/>
+          <a:ext cx="8742263" cy="922417"/>
         </a:xfrm>
         <a:prstGeom prst="roundRect">
           <a:avLst>
@@ -4888,25 +5101,25 @@
             <a:buNone/>
           </a:pPr>
           <a:r>
-            <a:rPr lang="en-US" sz="2400" kern="1200" dirty="0"/>
-            <a:t>Re-make categories using cosine similarity or another method.</a:t>
+            <a:rPr lang="en-GB" sz="2400" kern="1200" dirty="0"/>
+            <a:t>Better product names not 'TAKE A BREAK'</a:t>
           </a:r>
         </a:p>
       </dsp:txBody>
       <dsp:txXfrm>
-        <a:off x="1676015" y="2971804"/>
-        <a:ext cx="7577788" cy="1184159"/>
+        <a:off x="2212582" y="3297404"/>
+        <a:ext cx="7356493" cy="868383"/>
       </dsp:txXfrm>
     </dsp:sp>
-    <dsp:sp modelId="{52ED0262-9BB9-41D2-9B1A-EDA41B6BC580}">
+    <dsp:sp modelId="{8030FAA1-60C0-5243-A7EF-1CF74EBF9DD7}">
       <dsp:nvSpPr>
         <dsp:cNvPr id="0" name=""/>
         <dsp:cNvSpPr/>
       </dsp:nvSpPr>
       <dsp:spPr>
         <a:xfrm>
-          <a:off x="8471057" y="953863"/>
-          <a:ext cx="817596" cy="817596"/>
+          <a:off x="8142692" y="706487"/>
+          <a:ext cx="599571" cy="599571"/>
         </a:xfrm>
         <a:prstGeom prst="downArrow">
           <a:avLst>
@@ -4953,12 +5166,12 @@
         <a:fontRef idx="minor"/>
       </dsp:style>
       <dsp:txBody>
-        <a:bodyPr spcFirstLastPara="0" vert="horz" wrap="square" lIns="45720" tIns="45720" rIns="45720" bIns="45720" numCol="1" spcCol="1270" anchor="ctr" anchorCtr="0">
+        <a:bodyPr spcFirstLastPara="0" vert="horz" wrap="square" lIns="34290" tIns="34290" rIns="34290" bIns="34290" numCol="1" spcCol="1270" anchor="ctr" anchorCtr="0">
           <a:noAutofit/>
         </a:bodyPr>
         <a:lstStyle/>
         <a:p>
-          <a:pPr marL="0" lvl="0" indent="0" algn="ctr" defTabSz="1600200">
+          <a:pPr marL="0" lvl="0" indent="0" algn="ctr" defTabSz="1200150">
             <a:lnSpc>
               <a:spcPct val="90000"/>
             </a:lnSpc>
@@ -4970,23 +5183,103 @@
             </a:spcAft>
             <a:buNone/>
           </a:pPr>
-          <a:endParaRPr lang="en-US" sz="3600" kern="1200"/>
+          <a:endParaRPr lang="en-US" sz="2700" kern="1200"/>
         </a:p>
       </dsp:txBody>
       <dsp:txXfrm>
-        <a:off x="8655016" y="953863"/>
-        <a:ext cx="449678" cy="615241"/>
+        <a:off x="8277595" y="706487"/>
+        <a:ext cx="329765" cy="451177"/>
       </dsp:txXfrm>
     </dsp:sp>
-    <dsp:sp modelId="{B03A606D-2D2C-43A3-9E72-AA1032EA6ABF}">
+    <dsp:sp modelId="{6F87916F-8CC9-AE4D-BD35-815775584019}">
       <dsp:nvSpPr>
         <dsp:cNvPr id="0" name=""/>
         <dsp:cNvSpPr/>
       </dsp:nvSpPr>
       <dsp:spPr>
         <a:xfrm>
-          <a:off x="9290644" y="2412959"/>
-          <a:ext cx="817596" cy="817596"/>
+          <a:off x="8874856" y="1796616"/>
+          <a:ext cx="599571" cy="599571"/>
+        </a:xfrm>
+        <a:prstGeom prst="downArrow">
+          <a:avLst>
+            <a:gd name="adj1" fmla="val 55000"/>
+            <a:gd name="adj2" fmla="val 45000"/>
+          </a:avLst>
+        </a:prstGeom>
+        <a:solidFill>
+          <a:schemeClr val="accent2">
+            <a:tint val="40000"/>
+            <a:alpha val="90000"/>
+            <a:hueOff val="3367359"/>
+            <a:satOff val="-31116"/>
+            <a:lumOff val="-3508"/>
+            <a:alphaOff val="0"/>
+          </a:schemeClr>
+        </a:solidFill>
+        <a:ln w="19050" cap="flat" cmpd="sng" algn="ctr">
+          <a:solidFill>
+            <a:schemeClr val="accent2">
+              <a:tint val="40000"/>
+              <a:alpha val="90000"/>
+              <a:hueOff val="3367359"/>
+              <a:satOff val="-31116"/>
+              <a:lumOff val="-3508"/>
+              <a:alphaOff val="0"/>
+            </a:schemeClr>
+          </a:solidFill>
+          <a:prstDash val="solid"/>
+          <a:miter lim="800000"/>
+        </a:ln>
+        <a:effectLst/>
+      </dsp:spPr>
+      <dsp:style>
+        <a:lnRef idx="2">
+          <a:scrgbClr r="0" g="0" b="0"/>
+        </a:lnRef>
+        <a:fillRef idx="1">
+          <a:scrgbClr r="0" g="0" b="0"/>
+        </a:fillRef>
+        <a:effectRef idx="0">
+          <a:scrgbClr r="0" g="0" b="0"/>
+        </a:effectRef>
+        <a:fontRef idx="minor"/>
+      </dsp:style>
+      <dsp:txBody>
+        <a:bodyPr spcFirstLastPara="0" vert="horz" wrap="square" lIns="34290" tIns="34290" rIns="34290" bIns="34290" numCol="1" spcCol="1270" anchor="ctr" anchorCtr="0">
+          <a:noAutofit/>
+        </a:bodyPr>
+        <a:lstStyle/>
+        <a:p>
+          <a:pPr marL="0" lvl="0" indent="0" algn="ctr" defTabSz="1200150">
+            <a:lnSpc>
+              <a:spcPct val="90000"/>
+            </a:lnSpc>
+            <a:spcBef>
+              <a:spcPct val="0"/>
+            </a:spcBef>
+            <a:spcAft>
+              <a:spcPct val="35000"/>
+            </a:spcAft>
+            <a:buNone/>
+          </a:pPr>
+          <a:endParaRPr lang="en-US" sz="2700" kern="1200"/>
+        </a:p>
+      </dsp:txBody>
+      <dsp:txXfrm>
+        <a:off x="9009759" y="1796616"/>
+        <a:ext cx="329765" cy="451177"/>
+      </dsp:txXfrm>
+    </dsp:sp>
+    <dsp:sp modelId="{000FD56E-E770-014D-B2A1-009C523BD99D}">
+      <dsp:nvSpPr>
+        <dsp:cNvPr id="0" name=""/>
+        <dsp:cNvSpPr/>
+      </dsp:nvSpPr>
+      <dsp:spPr>
+        <a:xfrm>
+          <a:off x="9596093" y="2886746"/>
+          <a:ext cx="599571" cy="599571"/>
         </a:xfrm>
         <a:prstGeom prst="downArrow">
           <a:avLst>
@@ -5033,12 +5326,12 @@
         <a:fontRef idx="minor"/>
       </dsp:style>
       <dsp:txBody>
-        <a:bodyPr spcFirstLastPara="0" vert="horz" wrap="square" lIns="45720" tIns="45720" rIns="45720" bIns="45720" numCol="1" spcCol="1270" anchor="ctr" anchorCtr="0">
+        <a:bodyPr spcFirstLastPara="0" vert="horz" wrap="square" lIns="34290" tIns="34290" rIns="34290" bIns="34290" numCol="1" spcCol="1270" anchor="ctr" anchorCtr="0">
           <a:noAutofit/>
         </a:bodyPr>
         <a:lstStyle/>
         <a:p>
-          <a:pPr marL="0" lvl="0" indent="0" algn="ctr" defTabSz="1600200">
+          <a:pPr marL="0" lvl="0" indent="0" algn="ctr" defTabSz="1200150">
             <a:lnSpc>
               <a:spcPct val="90000"/>
             </a:lnSpc>
@@ -5050,12 +5343,12 @@
             </a:spcAft>
             <a:buNone/>
           </a:pPr>
-          <a:endParaRPr lang="en-US" sz="3600" kern="1200"/>
+          <a:endParaRPr lang="en-US" sz="2700" kern="1200"/>
         </a:p>
       </dsp:txBody>
       <dsp:txXfrm>
-        <a:off x="9474603" y="2412959"/>
-        <a:ext cx="449678" cy="615241"/>
+        <a:off x="9730996" y="2886746"/>
+        <a:ext cx="329765" cy="451177"/>
       </dsp:txXfrm>
     </dsp:sp>
   </dsp:spTree>
@@ -5127,7 +5420,7 @@
         </a:bodyPr>
         <a:lstStyle/>
         <a:p>
-          <a:pPr marL="0" lvl="0" indent="0" algn="l" defTabSz="1022350">
+          <a:pPr marL="0" lvl="0" indent="0" algn="l" defTabSz="711200">
             <a:lnSpc>
               <a:spcPct val="90000"/>
             </a:lnSpc>
@@ -5140,10 +5433,10 @@
             <a:buNone/>
           </a:pPr>
           <a:r>
-            <a:rPr lang="en-GB" sz="2300" kern="1200" dirty="0"/>
+            <a:rPr lang="en-GB" sz="1600" kern="1200" dirty="0"/>
             <a:t>Maintaining replacement item framework – use customer transactions first before overall transactions</a:t>
           </a:r>
-          <a:endParaRPr lang="en-US" sz="2300" kern="1200" dirty="0"/>
+          <a:endParaRPr lang="en-US" sz="1600" kern="1200" dirty="0"/>
         </a:p>
       </dsp:txBody>
       <dsp:txXfrm>
@@ -5336,7 +5629,7 @@
         </a:bodyPr>
         <a:lstStyle/>
         <a:p>
-          <a:pPr marL="0" lvl="0" indent="0" algn="l" defTabSz="1022350">
+          <a:pPr marL="0" lvl="0" indent="0" algn="l" defTabSz="711200">
             <a:lnSpc>
               <a:spcPct val="90000"/>
             </a:lnSpc>
@@ -5349,10 +5642,64 @@
             <a:buNone/>
           </a:pPr>
           <a:r>
-            <a:rPr lang="en-GB" sz="2300" kern="1200"/>
-            <a:t>Using a recommended item framework – could use other customers with similar transactions to recommend alternative products ‘similar shopper also bought this’</a:t>
+            <a:rPr lang="en-GB" sz="1600" kern="1200" dirty="0"/>
+            <a:t>Using a recommended item framework – could use other customers with similar transactions to recommend alternative or similar products </a:t>
           </a:r>
-          <a:endParaRPr lang="en-US" sz="2300" kern="1200"/>
+        </a:p>
+        <a:p>
+          <a:pPr marL="0" lvl="0" indent="0" algn="l" defTabSz="711200">
+            <a:lnSpc>
+              <a:spcPct val="90000"/>
+            </a:lnSpc>
+            <a:spcBef>
+              <a:spcPct val="0"/>
+            </a:spcBef>
+            <a:spcAft>
+              <a:spcPct val="35000"/>
+            </a:spcAft>
+            <a:buNone/>
+          </a:pPr>
+          <a:r>
+            <a:rPr lang="en-GB" sz="1600" kern="1200" dirty="0"/>
+            <a:t>‘similar shopper also bought this other item’</a:t>
+          </a:r>
+        </a:p>
+        <a:p>
+          <a:pPr marL="0" lvl="0" indent="0" algn="l" defTabSz="711200">
+            <a:lnSpc>
+              <a:spcPct val="90000"/>
+            </a:lnSpc>
+            <a:spcBef>
+              <a:spcPct val="0"/>
+            </a:spcBef>
+            <a:spcAft>
+              <a:spcPct val="35000"/>
+            </a:spcAft>
+            <a:buNone/>
+          </a:pPr>
+          <a:r>
+            <a:rPr lang="en-GB" sz="1600" kern="1200" dirty="0"/>
+            <a:t>Or </a:t>
+          </a:r>
+        </a:p>
+        <a:p>
+          <a:pPr marL="0" lvl="0" indent="0" algn="l" defTabSz="711200">
+            <a:lnSpc>
+              <a:spcPct val="90000"/>
+            </a:lnSpc>
+            <a:spcBef>
+              <a:spcPct val="0"/>
+            </a:spcBef>
+            <a:spcAft>
+              <a:spcPct val="35000"/>
+            </a:spcAft>
+            <a:buNone/>
+          </a:pPr>
+          <a:r>
+            <a:rPr lang="en-GB" sz="1600" kern="1200" dirty="0"/>
+            <a:t>‘similar shopper bought this other item in the same category’</a:t>
+          </a:r>
+          <a:endParaRPr lang="en-US" sz="1600" kern="1200" dirty="0"/>
         </a:p>
       </dsp:txBody>
       <dsp:txXfrm>
@@ -5507,8 +5854,8 @@
       </dsp:nvSpPr>
       <dsp:spPr>
         <a:xfrm>
-          <a:off x="3594" y="813467"/>
-          <a:ext cx="1946002" cy="2724403"/>
+          <a:off x="1283" y="1043496"/>
+          <a:ext cx="1617389" cy="2264345"/>
         </a:xfrm>
         <a:prstGeom prst="rect">
           <a:avLst/>
@@ -5552,12 +5899,12 @@
         <a:fontRef idx="minor"/>
       </dsp:style>
       <dsp:txBody>
-        <a:bodyPr spcFirstLastPara="0" vert="horz" wrap="square" lIns="151718" tIns="330200" rIns="151718" bIns="330200" numCol="1" spcCol="1270" anchor="t" anchorCtr="0">
+        <a:bodyPr spcFirstLastPara="0" vert="horz" wrap="square" lIns="126098" tIns="330200" rIns="126098" bIns="330200" numCol="1" spcCol="1270" anchor="t" anchorCtr="0">
           <a:noAutofit/>
         </a:bodyPr>
         <a:lstStyle/>
         <a:p>
-          <a:pPr marL="0" lvl="0" indent="0" algn="l" defTabSz="533400">
+          <a:pPr marL="0" lvl="0" indent="0" algn="l" defTabSz="488950">
             <a:lnSpc>
               <a:spcPct val="90000"/>
             </a:lnSpc>
@@ -5570,15 +5917,15 @@
             <a:buNone/>
           </a:pPr>
           <a:r>
-            <a:rPr lang="en-GB" sz="1200" kern="1200"/>
+            <a:rPr lang="en-GB" sz="1100" kern="1200" dirty="0"/>
             <a:t>Clean up code and add tests to ensure data quality and alerts if data is missing or problematic</a:t>
           </a:r>
-          <a:endParaRPr lang="en-US" sz="1200" kern="1200"/>
+          <a:endParaRPr lang="en-US" sz="1100" kern="1200" dirty="0"/>
         </a:p>
       </dsp:txBody>
       <dsp:txXfrm>
-        <a:off x="3594" y="1848740"/>
-        <a:ext cx="1946002" cy="1634641"/>
+        <a:off x="1283" y="1903947"/>
+        <a:ext cx="1617389" cy="1358607"/>
       </dsp:txXfrm>
     </dsp:sp>
     <dsp:sp modelId="{78C93E8D-BF6B-444A-9D02-CE52D9139512}">
@@ -5588,8 +5935,8 @@
       </dsp:nvSpPr>
       <dsp:spPr>
         <a:xfrm>
-          <a:off x="567934" y="1085907"/>
-          <a:ext cx="817320" cy="817320"/>
+          <a:off x="470326" y="1269930"/>
+          <a:ext cx="679303" cy="679303"/>
         </a:xfrm>
         <a:prstGeom prst="ellipse">
           <a:avLst/>
@@ -5631,12 +5978,12 @@
         </a:fontRef>
       </dsp:style>
       <dsp:txBody>
-        <a:bodyPr spcFirstLastPara="0" vert="horz" wrap="square" lIns="63722" tIns="12700" rIns="63722" bIns="12700" numCol="1" spcCol="1270" anchor="ctr" anchorCtr="0">
+        <a:bodyPr spcFirstLastPara="0" vert="horz" wrap="square" lIns="52961" tIns="12700" rIns="52961" bIns="12700" numCol="1" spcCol="1270" anchor="ctr" anchorCtr="0">
           <a:noAutofit/>
         </a:bodyPr>
         <a:lstStyle/>
         <a:p>
-          <a:pPr marL="0" lvl="0" indent="0" algn="ctr" defTabSz="1733550">
+          <a:pPr marL="0" lvl="0" indent="0" algn="ctr" defTabSz="1422400">
             <a:lnSpc>
               <a:spcPct val="90000"/>
             </a:lnSpc>
@@ -5649,14 +5996,14 @@
             <a:buNone/>
           </a:pPr>
           <a:r>
-            <a:rPr lang="en-US" sz="3900" kern="1200"/>
+            <a:rPr lang="en-US" sz="3200" kern="1200"/>
             <a:t>1</a:t>
           </a:r>
         </a:p>
       </dsp:txBody>
       <dsp:txXfrm>
-        <a:off x="687628" y="1205601"/>
-        <a:ext cx="577932" cy="577932"/>
+        <a:off x="569808" y="1369412"/>
+        <a:ext cx="480339" cy="480339"/>
       </dsp:txXfrm>
     </dsp:sp>
     <dsp:sp modelId="{6240F88B-1032-401E-A5D2-239D09973562}">
@@ -5666,26 +6013,26 @@
       </dsp:nvSpPr>
       <dsp:spPr>
         <a:xfrm>
-          <a:off x="3594" y="3537798"/>
-          <a:ext cx="1946002" cy="72"/>
+          <a:off x="1283" y="3307769"/>
+          <a:ext cx="1617389" cy="72"/>
         </a:xfrm>
         <a:prstGeom prst="rect">
           <a:avLst/>
         </a:prstGeom>
         <a:solidFill>
           <a:schemeClr val="accent5">
-            <a:hueOff val="-1350239"/>
-            <a:satOff val="-92"/>
-            <a:lumOff val="218"/>
+            <a:hueOff val="-1104741"/>
+            <a:satOff val="-75"/>
+            <a:lumOff val="178"/>
             <a:alphaOff val="0"/>
           </a:schemeClr>
         </a:solidFill>
         <a:ln w="19050" cap="flat" cmpd="sng" algn="ctr">
           <a:solidFill>
             <a:schemeClr val="accent5">
-              <a:hueOff val="-1350239"/>
-              <a:satOff val="-92"/>
-              <a:lumOff val="218"/>
+              <a:hueOff val="-1104741"/>
+              <a:satOff val="-75"/>
+              <a:lumOff val="178"/>
               <a:alphaOff val="0"/>
             </a:schemeClr>
           </a:solidFill>
@@ -5716,8 +6063,8 @@
       </dsp:nvSpPr>
       <dsp:spPr>
         <a:xfrm>
-          <a:off x="2144196" y="813467"/>
-          <a:ext cx="1946002" cy="2724403"/>
+          <a:off x="1780412" y="1043496"/>
+          <a:ext cx="1617389" cy="2264345"/>
         </a:xfrm>
         <a:prstGeom prst="rect">
           <a:avLst/>
@@ -5726,9 +6073,9 @@
           <a:schemeClr val="accent5">
             <a:tint val="40000"/>
             <a:alpha val="90000"/>
-            <a:hueOff val="-2986166"/>
-            <a:satOff val="667"/>
-            <a:lumOff val="100"/>
+            <a:hueOff val="-2388933"/>
+            <a:satOff val="533"/>
+            <a:lumOff val="80"/>
             <a:alphaOff val="0"/>
           </a:schemeClr>
         </a:solidFill>
@@ -5737,9 +6084,9 @@
             <a:schemeClr val="accent5">
               <a:tint val="40000"/>
               <a:alpha val="90000"/>
-              <a:hueOff val="-2986166"/>
-              <a:satOff val="667"/>
-              <a:lumOff val="100"/>
+              <a:hueOff val="-2388933"/>
+              <a:satOff val="533"/>
+              <a:lumOff val="80"/>
               <a:alphaOff val="0"/>
             </a:schemeClr>
           </a:solidFill>
@@ -5761,12 +6108,12 @@
         <a:fontRef idx="minor"/>
       </dsp:style>
       <dsp:txBody>
-        <a:bodyPr spcFirstLastPara="0" vert="horz" wrap="square" lIns="151718" tIns="330200" rIns="151718" bIns="330200" numCol="1" spcCol="1270" anchor="t" anchorCtr="0">
+        <a:bodyPr spcFirstLastPara="0" vert="horz" wrap="square" lIns="126098" tIns="330200" rIns="126098" bIns="330200" numCol="1" spcCol="1270" anchor="t" anchorCtr="0">
           <a:noAutofit/>
         </a:bodyPr>
         <a:lstStyle/>
         <a:p>
-          <a:pPr marL="0" lvl="0" indent="0" algn="l" defTabSz="533400">
+          <a:pPr marL="0" lvl="0" indent="0" algn="l" defTabSz="488950">
             <a:lnSpc>
               <a:spcPct val="90000"/>
             </a:lnSpc>
@@ -5779,15 +6126,15 @@
             <a:buNone/>
           </a:pPr>
           <a:r>
-            <a:rPr lang="en-GB" sz="1200" kern="1200" dirty="0"/>
+            <a:rPr lang="en-GB" sz="1100" kern="1200" dirty="0"/>
             <a:t>Create a main and dev repository and only work on branches pushed to dev testing before pushing dev to main.</a:t>
           </a:r>
-          <a:endParaRPr lang="en-US" sz="1200" kern="1200" dirty="0"/>
+          <a:endParaRPr lang="en-US" sz="1100" kern="1200" dirty="0"/>
         </a:p>
       </dsp:txBody>
       <dsp:txXfrm>
-        <a:off x="2144196" y="1848740"/>
-        <a:ext cx="1946002" cy="1634641"/>
+        <a:off x="1780412" y="1903947"/>
+        <a:ext cx="1617389" cy="1358607"/>
       </dsp:txXfrm>
     </dsp:sp>
     <dsp:sp modelId="{173DC1AA-2B99-45B8-B4B5-592B5976CFB5}">
@@ -5797,26 +6144,26 @@
       </dsp:nvSpPr>
       <dsp:spPr>
         <a:xfrm>
-          <a:off x="2708537" y="1085907"/>
-          <a:ext cx="817320" cy="817320"/>
+          <a:off x="2249455" y="1269930"/>
+          <a:ext cx="679303" cy="679303"/>
         </a:xfrm>
         <a:prstGeom prst="ellipse">
           <a:avLst/>
         </a:prstGeom>
         <a:solidFill>
           <a:schemeClr val="accent5">
-            <a:hueOff val="-2700478"/>
-            <a:satOff val="-184"/>
-            <a:lumOff val="436"/>
+            <a:hueOff val="-2209482"/>
+            <a:satOff val="-150"/>
+            <a:lumOff val="357"/>
             <a:alphaOff val="0"/>
           </a:schemeClr>
         </a:solidFill>
         <a:ln w="19050" cap="flat" cmpd="sng" algn="ctr">
           <a:solidFill>
             <a:schemeClr val="accent5">
-              <a:hueOff val="-2700478"/>
-              <a:satOff val="-184"/>
-              <a:lumOff val="436"/>
+              <a:hueOff val="-2209482"/>
+              <a:satOff val="-150"/>
+              <a:lumOff val="357"/>
               <a:alphaOff val="0"/>
             </a:schemeClr>
           </a:solidFill>
@@ -5840,12 +6187,12 @@
         </a:fontRef>
       </dsp:style>
       <dsp:txBody>
-        <a:bodyPr spcFirstLastPara="0" vert="horz" wrap="square" lIns="63722" tIns="12700" rIns="63722" bIns="12700" numCol="1" spcCol="1270" anchor="ctr" anchorCtr="0">
+        <a:bodyPr spcFirstLastPara="0" vert="horz" wrap="square" lIns="52961" tIns="12700" rIns="52961" bIns="12700" numCol="1" spcCol="1270" anchor="ctr" anchorCtr="0">
           <a:noAutofit/>
         </a:bodyPr>
         <a:lstStyle/>
         <a:p>
-          <a:pPr marL="0" lvl="0" indent="0" algn="ctr" defTabSz="1733550">
+          <a:pPr marL="0" lvl="0" indent="0" algn="ctr" defTabSz="1422400">
             <a:lnSpc>
               <a:spcPct val="90000"/>
             </a:lnSpc>
@@ -5858,14 +6205,14 @@
             <a:buNone/>
           </a:pPr>
           <a:r>
-            <a:rPr lang="en-US" sz="3900" kern="1200"/>
+            <a:rPr lang="en-US" sz="3200" kern="1200"/>
             <a:t>2</a:t>
           </a:r>
         </a:p>
       </dsp:txBody>
       <dsp:txXfrm>
-        <a:off x="2828231" y="1205601"/>
-        <a:ext cx="577932" cy="577932"/>
+        <a:off x="2348937" y="1369412"/>
+        <a:ext cx="480339" cy="480339"/>
       </dsp:txXfrm>
     </dsp:sp>
     <dsp:sp modelId="{E57EEB84-9B0C-4BA4-A2F7-D0CE61790620}">
@@ -5875,26 +6222,26 @@
       </dsp:nvSpPr>
       <dsp:spPr>
         <a:xfrm>
-          <a:off x="2144196" y="3537798"/>
-          <a:ext cx="1946002" cy="72"/>
+          <a:off x="1780412" y="3307769"/>
+          <a:ext cx="1617389" cy="72"/>
         </a:xfrm>
         <a:prstGeom prst="rect">
           <a:avLst/>
         </a:prstGeom>
         <a:solidFill>
           <a:schemeClr val="accent5">
-            <a:hueOff val="-4050717"/>
-            <a:satOff val="-275"/>
-            <a:lumOff val="654"/>
+            <a:hueOff val="-3314223"/>
+            <a:satOff val="-225"/>
+            <a:lumOff val="535"/>
             <a:alphaOff val="0"/>
           </a:schemeClr>
         </a:solidFill>
         <a:ln w="19050" cap="flat" cmpd="sng" algn="ctr">
           <a:solidFill>
             <a:schemeClr val="accent5">
-              <a:hueOff val="-4050717"/>
-              <a:satOff val="-275"/>
-              <a:lumOff val="654"/>
+              <a:hueOff val="-3314223"/>
+              <a:satOff val="-225"/>
+              <a:lumOff val="535"/>
               <a:alphaOff val="0"/>
             </a:schemeClr>
           </a:solidFill>
@@ -5925,8 +6272,8 @@
       </dsp:nvSpPr>
       <dsp:spPr>
         <a:xfrm>
-          <a:off x="4284798" y="813467"/>
-          <a:ext cx="1946002" cy="2724403"/>
+          <a:off x="3559540" y="1043496"/>
+          <a:ext cx="1617389" cy="2264345"/>
         </a:xfrm>
         <a:prstGeom prst="rect">
           <a:avLst/>
@@ -5935,9 +6282,9 @@
           <a:schemeClr val="accent5">
             <a:tint val="40000"/>
             <a:alpha val="90000"/>
-            <a:hueOff val="-5972333"/>
-            <a:satOff val="1333"/>
-            <a:lumOff val="200"/>
+            <a:hueOff val="-4777866"/>
+            <a:satOff val="1067"/>
+            <a:lumOff val="160"/>
             <a:alphaOff val="0"/>
           </a:schemeClr>
         </a:solidFill>
@@ -5946,9 +6293,9 @@
             <a:schemeClr val="accent5">
               <a:tint val="40000"/>
               <a:alpha val="90000"/>
-              <a:hueOff val="-5972333"/>
-              <a:satOff val="1333"/>
-              <a:lumOff val="200"/>
+              <a:hueOff val="-4777866"/>
+              <a:satOff val="1067"/>
+              <a:lumOff val="160"/>
               <a:alphaOff val="0"/>
             </a:schemeClr>
           </a:solidFill>
@@ -5970,12 +6317,12 @@
         <a:fontRef idx="minor"/>
       </dsp:style>
       <dsp:txBody>
-        <a:bodyPr spcFirstLastPara="0" vert="horz" wrap="square" lIns="151718" tIns="330200" rIns="151718" bIns="330200" numCol="1" spcCol="1270" anchor="t" anchorCtr="0">
+        <a:bodyPr spcFirstLastPara="0" vert="horz" wrap="square" lIns="126098" tIns="330200" rIns="126098" bIns="330200" numCol="1" spcCol="1270" anchor="t" anchorCtr="0">
           <a:noAutofit/>
         </a:bodyPr>
         <a:lstStyle/>
         <a:p>
-          <a:pPr marL="0" lvl="0" indent="0" algn="l" defTabSz="533400">
+          <a:pPr marL="0" lvl="0" indent="0" algn="l" defTabSz="488950">
             <a:lnSpc>
               <a:spcPct val="90000"/>
             </a:lnSpc>
@@ -5988,15 +6335,15 @@
             <a:buNone/>
           </a:pPr>
           <a:r>
-            <a:rPr lang="en-GB" sz="1200" kern="1200" dirty="0"/>
+            <a:rPr lang="en-GB" sz="1100" kern="1200" dirty="0"/>
             <a:t>Monitor the model to ensure robustness.</a:t>
           </a:r>
-          <a:endParaRPr lang="en-US" sz="1200" kern="1200" dirty="0"/>
+          <a:endParaRPr lang="en-US" sz="1100" kern="1200" dirty="0"/>
         </a:p>
       </dsp:txBody>
       <dsp:txXfrm>
-        <a:off x="4284798" y="1848740"/>
-        <a:ext cx="1946002" cy="1634641"/>
+        <a:off x="3559540" y="1903947"/>
+        <a:ext cx="1617389" cy="1358607"/>
       </dsp:txXfrm>
     </dsp:sp>
     <dsp:sp modelId="{E99B1B1D-41D8-44EC-991F-2D73BC58E1F1}">
@@ -6006,26 +6353,26 @@
       </dsp:nvSpPr>
       <dsp:spPr>
         <a:xfrm>
-          <a:off x="4849139" y="1085907"/>
-          <a:ext cx="817320" cy="817320"/>
+          <a:off x="4028583" y="1269930"/>
+          <a:ext cx="679303" cy="679303"/>
         </a:xfrm>
         <a:prstGeom prst="ellipse">
           <a:avLst/>
         </a:prstGeom>
         <a:solidFill>
           <a:schemeClr val="accent5">
-            <a:hueOff val="-5400955"/>
-            <a:satOff val="-367"/>
-            <a:lumOff val="872"/>
+            <a:hueOff val="-4418963"/>
+            <a:satOff val="-300"/>
+            <a:lumOff val="713"/>
             <a:alphaOff val="0"/>
           </a:schemeClr>
         </a:solidFill>
         <a:ln w="19050" cap="flat" cmpd="sng" algn="ctr">
           <a:solidFill>
             <a:schemeClr val="accent5">
-              <a:hueOff val="-5400955"/>
-              <a:satOff val="-367"/>
-              <a:lumOff val="872"/>
+              <a:hueOff val="-4418963"/>
+              <a:satOff val="-300"/>
+              <a:lumOff val="713"/>
               <a:alphaOff val="0"/>
             </a:schemeClr>
           </a:solidFill>
@@ -6049,12 +6396,12 @@
         </a:fontRef>
       </dsp:style>
       <dsp:txBody>
-        <a:bodyPr spcFirstLastPara="0" vert="horz" wrap="square" lIns="63722" tIns="12700" rIns="63722" bIns="12700" numCol="1" spcCol="1270" anchor="ctr" anchorCtr="0">
+        <a:bodyPr spcFirstLastPara="0" vert="horz" wrap="square" lIns="52961" tIns="12700" rIns="52961" bIns="12700" numCol="1" spcCol="1270" anchor="ctr" anchorCtr="0">
           <a:noAutofit/>
         </a:bodyPr>
         <a:lstStyle/>
         <a:p>
-          <a:pPr marL="0" lvl="0" indent="0" algn="ctr" defTabSz="1733550">
+          <a:pPr marL="0" lvl="0" indent="0" algn="ctr" defTabSz="1422400">
             <a:lnSpc>
               <a:spcPct val="90000"/>
             </a:lnSpc>
@@ -6067,14 +6414,14 @@
             <a:buNone/>
           </a:pPr>
           <a:r>
-            <a:rPr lang="en-US" sz="3900" kern="1200"/>
+            <a:rPr lang="en-US" sz="3200" kern="1200"/>
             <a:t>3</a:t>
           </a:r>
         </a:p>
       </dsp:txBody>
       <dsp:txXfrm>
-        <a:off x="4968833" y="1205601"/>
-        <a:ext cx="577932" cy="577932"/>
+        <a:off x="4128065" y="1369412"/>
+        <a:ext cx="480339" cy="480339"/>
       </dsp:txXfrm>
     </dsp:sp>
     <dsp:sp modelId="{B6A7A0F3-8E36-405B-BC01-5DE57E132C45}">
@@ -6084,26 +6431,26 @@
       </dsp:nvSpPr>
       <dsp:spPr>
         <a:xfrm>
-          <a:off x="4284798" y="3537798"/>
-          <a:ext cx="1946002" cy="72"/>
+          <a:off x="3559540" y="3307769"/>
+          <a:ext cx="1617389" cy="72"/>
         </a:xfrm>
         <a:prstGeom prst="rect">
           <a:avLst/>
         </a:prstGeom>
         <a:solidFill>
           <a:schemeClr val="accent5">
-            <a:hueOff val="-6751195"/>
-            <a:satOff val="-459"/>
-            <a:lumOff val="1089"/>
+            <a:hueOff val="-5523705"/>
+            <a:satOff val="-375"/>
+            <a:lumOff val="891"/>
             <a:alphaOff val="0"/>
           </a:schemeClr>
         </a:solidFill>
         <a:ln w="19050" cap="flat" cmpd="sng" algn="ctr">
           <a:solidFill>
             <a:schemeClr val="accent5">
-              <a:hueOff val="-6751195"/>
-              <a:satOff val="-459"/>
-              <a:lumOff val="1089"/>
+              <a:hueOff val="-5523705"/>
+              <a:satOff val="-375"/>
+              <a:lumOff val="891"/>
               <a:alphaOff val="0"/>
             </a:schemeClr>
           </a:solidFill>
@@ -6134,8 +6481,8 @@
       </dsp:nvSpPr>
       <dsp:spPr>
         <a:xfrm>
-          <a:off x="6425401" y="813467"/>
-          <a:ext cx="1946002" cy="2724403"/>
+          <a:off x="5338669" y="1043496"/>
+          <a:ext cx="1617389" cy="2264345"/>
         </a:xfrm>
         <a:prstGeom prst="rect">
           <a:avLst/>
@@ -6144,9 +6491,9 @@
           <a:schemeClr val="accent5">
             <a:tint val="40000"/>
             <a:alpha val="90000"/>
-            <a:hueOff val="-8958499"/>
-            <a:satOff val="2000"/>
-            <a:lumOff val="301"/>
+            <a:hueOff val="-7166800"/>
+            <a:satOff val="1600"/>
+            <a:lumOff val="241"/>
             <a:alphaOff val="0"/>
           </a:schemeClr>
         </a:solidFill>
@@ -6155,9 +6502,9 @@
             <a:schemeClr val="accent5">
               <a:tint val="40000"/>
               <a:alpha val="90000"/>
-              <a:hueOff val="-8958499"/>
-              <a:satOff val="2000"/>
-              <a:lumOff val="301"/>
+              <a:hueOff val="-7166800"/>
+              <a:satOff val="1600"/>
+              <a:lumOff val="241"/>
               <a:alphaOff val="0"/>
             </a:schemeClr>
           </a:solidFill>
@@ -6179,12 +6526,12 @@
         <a:fontRef idx="minor"/>
       </dsp:style>
       <dsp:txBody>
-        <a:bodyPr spcFirstLastPara="0" vert="horz" wrap="square" lIns="151718" tIns="330200" rIns="151718" bIns="330200" numCol="1" spcCol="1270" anchor="t" anchorCtr="0">
+        <a:bodyPr spcFirstLastPara="0" vert="horz" wrap="square" lIns="126098" tIns="330200" rIns="126098" bIns="330200" numCol="1" spcCol="1270" anchor="t" anchorCtr="0">
           <a:noAutofit/>
         </a:bodyPr>
         <a:lstStyle/>
         <a:p>
-          <a:pPr marL="0" lvl="0" indent="0" algn="l" defTabSz="533400">
+          <a:pPr marL="0" lvl="0" indent="0" algn="l" defTabSz="488950">
             <a:lnSpc>
               <a:spcPct val="90000"/>
             </a:lnSpc>
@@ -6197,15 +6544,15 @@
             <a:buNone/>
           </a:pPr>
           <a:r>
-            <a:rPr lang="en-GB" sz="1200" kern="1200" dirty="0"/>
+            <a:rPr lang="en-GB" sz="1100" kern="1200" dirty="0"/>
             <a:t>Run daily with automated workflows, either Databricks or Airflow or other frameworks available.</a:t>
           </a:r>
-          <a:endParaRPr lang="en-US" sz="1200" kern="1200" dirty="0"/>
+          <a:endParaRPr lang="en-US" sz="1100" kern="1200" dirty="0"/>
         </a:p>
       </dsp:txBody>
       <dsp:txXfrm>
-        <a:off x="6425401" y="1848740"/>
-        <a:ext cx="1946002" cy="1634641"/>
+        <a:off x="5338669" y="1903947"/>
+        <a:ext cx="1617389" cy="1358607"/>
       </dsp:txXfrm>
     </dsp:sp>
     <dsp:sp modelId="{6594A21D-42D1-4A79-AEE9-941163495252}">
@@ -6215,26 +6562,26 @@
       </dsp:nvSpPr>
       <dsp:spPr>
         <a:xfrm>
-          <a:off x="6989741" y="1085907"/>
-          <a:ext cx="817320" cy="817320"/>
+          <a:off x="5807712" y="1269930"/>
+          <a:ext cx="679303" cy="679303"/>
         </a:xfrm>
         <a:prstGeom prst="ellipse">
           <a:avLst/>
         </a:prstGeom>
         <a:solidFill>
           <a:schemeClr val="accent5">
-            <a:hueOff val="-8101434"/>
-            <a:satOff val="-551"/>
-            <a:lumOff val="1307"/>
+            <a:hueOff val="-6628445"/>
+            <a:satOff val="-451"/>
+            <a:lumOff val="1070"/>
             <a:alphaOff val="0"/>
           </a:schemeClr>
         </a:solidFill>
         <a:ln w="19050" cap="flat" cmpd="sng" algn="ctr">
           <a:solidFill>
             <a:schemeClr val="accent5">
-              <a:hueOff val="-8101434"/>
-              <a:satOff val="-551"/>
-              <a:lumOff val="1307"/>
+              <a:hueOff val="-6628445"/>
+              <a:satOff val="-451"/>
+              <a:lumOff val="1070"/>
               <a:alphaOff val="0"/>
             </a:schemeClr>
           </a:solidFill>
@@ -6258,12 +6605,12 @@
         </a:fontRef>
       </dsp:style>
       <dsp:txBody>
-        <a:bodyPr spcFirstLastPara="0" vert="horz" wrap="square" lIns="63722" tIns="12700" rIns="63722" bIns="12700" numCol="1" spcCol="1270" anchor="ctr" anchorCtr="0">
+        <a:bodyPr spcFirstLastPara="0" vert="horz" wrap="square" lIns="52961" tIns="12700" rIns="52961" bIns="12700" numCol="1" spcCol="1270" anchor="ctr" anchorCtr="0">
           <a:noAutofit/>
         </a:bodyPr>
         <a:lstStyle/>
         <a:p>
-          <a:pPr marL="0" lvl="0" indent="0" algn="ctr" defTabSz="1733550">
+          <a:pPr marL="0" lvl="0" indent="0" algn="ctr" defTabSz="1422400">
             <a:lnSpc>
               <a:spcPct val="90000"/>
             </a:lnSpc>
@@ -6276,14 +6623,14 @@
             <a:buNone/>
           </a:pPr>
           <a:r>
-            <a:rPr lang="en-US" sz="3900" kern="1200"/>
+            <a:rPr lang="en-US" sz="3200" kern="1200"/>
             <a:t>4</a:t>
           </a:r>
         </a:p>
       </dsp:txBody>
       <dsp:txXfrm>
-        <a:off x="7109435" y="1205601"/>
-        <a:ext cx="577932" cy="577932"/>
+        <a:off x="5907194" y="1369412"/>
+        <a:ext cx="480339" cy="480339"/>
       </dsp:txXfrm>
     </dsp:sp>
     <dsp:sp modelId="{2267C639-322B-480B-BA00-8E08F3C9B16C}">
@@ -6293,26 +6640,26 @@
       </dsp:nvSpPr>
       <dsp:spPr>
         <a:xfrm>
-          <a:off x="6425401" y="3537798"/>
-          <a:ext cx="1946002" cy="72"/>
+          <a:off x="5338669" y="3307769"/>
+          <a:ext cx="1617389" cy="72"/>
         </a:xfrm>
         <a:prstGeom prst="rect">
           <a:avLst/>
         </a:prstGeom>
         <a:solidFill>
           <a:schemeClr val="accent5">
-            <a:hueOff val="-9451672"/>
-            <a:satOff val="-642"/>
-            <a:lumOff val="1525"/>
+            <a:hueOff val="-7733186"/>
+            <a:satOff val="-526"/>
+            <a:lumOff val="1248"/>
             <a:alphaOff val="0"/>
           </a:schemeClr>
         </a:solidFill>
         <a:ln w="19050" cap="flat" cmpd="sng" algn="ctr">
           <a:solidFill>
             <a:schemeClr val="accent5">
-              <a:hueOff val="-9451672"/>
-              <a:satOff val="-642"/>
-              <a:lumOff val="1525"/>
+              <a:hueOff val="-7733186"/>
+              <a:satOff val="-526"/>
+              <a:lumOff val="1248"/>
               <a:alphaOff val="0"/>
             </a:schemeClr>
           </a:solidFill>
@@ -6343,8 +6690,217 @@
       </dsp:nvSpPr>
       <dsp:spPr>
         <a:xfrm>
-          <a:off x="8566003" y="813467"/>
-          <a:ext cx="1946002" cy="2724403"/>
+          <a:off x="7117798" y="1043496"/>
+          <a:ext cx="1617389" cy="2264345"/>
+        </a:xfrm>
+        <a:prstGeom prst="rect">
+          <a:avLst/>
+        </a:prstGeom>
+        <a:solidFill>
+          <a:schemeClr val="accent5">
+            <a:tint val="40000"/>
+            <a:alpha val="90000"/>
+            <a:hueOff val="-9555732"/>
+            <a:satOff val="2134"/>
+            <a:lumOff val="321"/>
+            <a:alphaOff val="0"/>
+          </a:schemeClr>
+        </a:solidFill>
+        <a:ln w="19050" cap="flat" cmpd="sng" algn="ctr">
+          <a:solidFill>
+            <a:schemeClr val="accent5">
+              <a:tint val="40000"/>
+              <a:alpha val="90000"/>
+              <a:hueOff val="-9555732"/>
+              <a:satOff val="2134"/>
+              <a:lumOff val="321"/>
+              <a:alphaOff val="0"/>
+            </a:schemeClr>
+          </a:solidFill>
+          <a:prstDash val="solid"/>
+          <a:miter lim="800000"/>
+        </a:ln>
+        <a:effectLst/>
+      </dsp:spPr>
+      <dsp:style>
+        <a:lnRef idx="2">
+          <a:scrgbClr r="0" g="0" b="0"/>
+        </a:lnRef>
+        <a:fillRef idx="1">
+          <a:scrgbClr r="0" g="0" b="0"/>
+        </a:fillRef>
+        <a:effectRef idx="0">
+          <a:scrgbClr r="0" g="0" b="0"/>
+        </a:effectRef>
+        <a:fontRef idx="minor"/>
+      </dsp:style>
+      <dsp:txBody>
+        <a:bodyPr spcFirstLastPara="0" vert="horz" wrap="square" lIns="126098" tIns="330200" rIns="126098" bIns="330200" numCol="1" spcCol="1270" anchor="t" anchorCtr="0">
+          <a:noAutofit/>
+        </a:bodyPr>
+        <a:lstStyle/>
+        <a:p>
+          <a:pPr marL="0" lvl="0" indent="0" algn="l" defTabSz="488950">
+            <a:lnSpc>
+              <a:spcPct val="90000"/>
+            </a:lnSpc>
+            <a:spcBef>
+              <a:spcPct val="0"/>
+            </a:spcBef>
+            <a:spcAft>
+              <a:spcPct val="35000"/>
+            </a:spcAft>
+            <a:buNone/>
+          </a:pPr>
+          <a:r>
+            <a:rPr lang="en-GB" sz="1100" kern="1200" dirty="0"/>
+            <a:t>Monitor the click throughs to see if the recommendations are working well.</a:t>
+          </a:r>
+          <a:endParaRPr lang="en-US" sz="1100" kern="1200" dirty="0"/>
+        </a:p>
+      </dsp:txBody>
+      <dsp:txXfrm>
+        <a:off x="7117798" y="1903947"/>
+        <a:ext cx="1617389" cy="1358607"/>
+      </dsp:txXfrm>
+    </dsp:sp>
+    <dsp:sp modelId="{E941CB69-98ED-4276-A88B-E3E04B14639D}">
+      <dsp:nvSpPr>
+        <dsp:cNvPr id="0" name=""/>
+        <dsp:cNvSpPr/>
+      </dsp:nvSpPr>
+      <dsp:spPr>
+        <a:xfrm>
+          <a:off x="7586841" y="1269930"/>
+          <a:ext cx="679303" cy="679303"/>
+        </a:xfrm>
+        <a:prstGeom prst="ellipse">
+          <a:avLst/>
+        </a:prstGeom>
+        <a:solidFill>
+          <a:schemeClr val="accent5">
+            <a:hueOff val="-8837927"/>
+            <a:satOff val="-601"/>
+            <a:lumOff val="1426"/>
+            <a:alphaOff val="0"/>
+          </a:schemeClr>
+        </a:solidFill>
+        <a:ln w="19050" cap="flat" cmpd="sng" algn="ctr">
+          <a:solidFill>
+            <a:schemeClr val="accent5">
+              <a:hueOff val="-8837927"/>
+              <a:satOff val="-601"/>
+              <a:lumOff val="1426"/>
+              <a:alphaOff val="0"/>
+            </a:schemeClr>
+          </a:solidFill>
+          <a:prstDash val="solid"/>
+          <a:miter lim="800000"/>
+        </a:ln>
+        <a:effectLst/>
+      </dsp:spPr>
+      <dsp:style>
+        <a:lnRef idx="2">
+          <a:scrgbClr r="0" g="0" b="0"/>
+        </a:lnRef>
+        <a:fillRef idx="1">
+          <a:scrgbClr r="0" g="0" b="0"/>
+        </a:fillRef>
+        <a:effectRef idx="0">
+          <a:scrgbClr r="0" g="0" b="0"/>
+        </a:effectRef>
+        <a:fontRef idx="minor">
+          <a:schemeClr val="lt1"/>
+        </a:fontRef>
+      </dsp:style>
+      <dsp:txBody>
+        <a:bodyPr spcFirstLastPara="0" vert="horz" wrap="square" lIns="52961" tIns="12700" rIns="52961" bIns="12700" numCol="1" spcCol="1270" anchor="ctr" anchorCtr="0">
+          <a:noAutofit/>
+        </a:bodyPr>
+        <a:lstStyle/>
+        <a:p>
+          <a:pPr marL="0" lvl="0" indent="0" algn="ctr" defTabSz="1422400">
+            <a:lnSpc>
+              <a:spcPct val="90000"/>
+            </a:lnSpc>
+            <a:spcBef>
+              <a:spcPct val="0"/>
+            </a:spcBef>
+            <a:spcAft>
+              <a:spcPct val="35000"/>
+            </a:spcAft>
+            <a:buNone/>
+          </a:pPr>
+          <a:r>
+            <a:rPr lang="en-US" sz="3200" kern="1200"/>
+            <a:t>5</a:t>
+          </a:r>
+        </a:p>
+      </dsp:txBody>
+      <dsp:txXfrm>
+        <a:off x="7686323" y="1369412"/>
+        <a:ext cx="480339" cy="480339"/>
+      </dsp:txXfrm>
+    </dsp:sp>
+    <dsp:sp modelId="{8F53F574-5C51-4D2C-95DD-76588C3997DB}">
+      <dsp:nvSpPr>
+        <dsp:cNvPr id="0" name=""/>
+        <dsp:cNvSpPr/>
+      </dsp:nvSpPr>
+      <dsp:spPr>
+        <a:xfrm>
+          <a:off x="7117798" y="3307769"/>
+          <a:ext cx="1617389" cy="72"/>
+        </a:xfrm>
+        <a:prstGeom prst="rect">
+          <a:avLst/>
+        </a:prstGeom>
+        <a:solidFill>
+          <a:schemeClr val="accent5">
+            <a:hueOff val="-9942668"/>
+            <a:satOff val="-676"/>
+            <a:lumOff val="1604"/>
+            <a:alphaOff val="0"/>
+          </a:schemeClr>
+        </a:solidFill>
+        <a:ln w="19050" cap="flat" cmpd="sng" algn="ctr">
+          <a:solidFill>
+            <a:schemeClr val="accent5">
+              <a:hueOff val="-9942668"/>
+              <a:satOff val="-676"/>
+              <a:lumOff val="1604"/>
+              <a:alphaOff val="0"/>
+            </a:schemeClr>
+          </a:solidFill>
+          <a:prstDash val="solid"/>
+          <a:miter lim="800000"/>
+        </a:ln>
+        <a:effectLst/>
+      </dsp:spPr>
+      <dsp:style>
+        <a:lnRef idx="2">
+          <a:scrgbClr r="0" g="0" b="0"/>
+        </a:lnRef>
+        <a:fillRef idx="1">
+          <a:scrgbClr r="0" g="0" b="0"/>
+        </a:fillRef>
+        <a:effectRef idx="0">
+          <a:scrgbClr r="0" g="0" b="0"/>
+        </a:effectRef>
+        <a:fontRef idx="minor">
+          <a:schemeClr val="lt1"/>
+        </a:fontRef>
+      </dsp:style>
+    </dsp:sp>
+    <dsp:sp modelId="{E9F8B1B6-A040-9743-ABBC-F1E8BC6D2A69}">
+      <dsp:nvSpPr>
+        <dsp:cNvPr id="0" name=""/>
+        <dsp:cNvSpPr/>
+      </dsp:nvSpPr>
+      <dsp:spPr>
+        <a:xfrm>
+          <a:off x="8896926" y="1043496"/>
+          <a:ext cx="1617389" cy="2264345"/>
         </a:xfrm>
         <a:prstGeom prst="rect">
           <a:avLst/>
@@ -6388,12 +6944,12 @@
         <a:fontRef idx="minor"/>
       </dsp:style>
       <dsp:txBody>
-        <a:bodyPr spcFirstLastPara="0" vert="horz" wrap="square" lIns="151718" tIns="330200" rIns="151718" bIns="330200" numCol="1" spcCol="1270" anchor="t" anchorCtr="0">
+        <a:bodyPr spcFirstLastPara="0" vert="horz" wrap="square" lIns="126098" tIns="330200" rIns="126098" bIns="330200" numCol="1" spcCol="1270" anchor="t" anchorCtr="0">
           <a:noAutofit/>
         </a:bodyPr>
         <a:lstStyle/>
         <a:p>
-          <a:pPr marL="0" lvl="0" indent="0" algn="l" defTabSz="533400">
+          <a:pPr marL="0" lvl="0" indent="0" algn="l" defTabSz="488950">
             <a:lnSpc>
               <a:spcPct val="90000"/>
             </a:lnSpc>
@@ -6406,44 +6962,43 @@
             <a:buNone/>
           </a:pPr>
           <a:r>
-            <a:rPr lang="en-GB" sz="1200" kern="1200" dirty="0"/>
-            <a:t>Monitor the click throughs to see if the recommendations are working well.</a:t>
+            <a:rPr lang="en-GB" sz="1100" kern="1200" dirty="0"/>
+            <a:t>Multi Armed Bandit - reinforcement learning method to direct traffic at different versions and learn which is best</a:t>
           </a:r>
-          <a:endParaRPr lang="en-US" sz="1200" kern="1200" dirty="0"/>
         </a:p>
       </dsp:txBody>
       <dsp:txXfrm>
-        <a:off x="8566003" y="1848740"/>
-        <a:ext cx="1946002" cy="1634641"/>
+        <a:off x="8896926" y="1903947"/>
+        <a:ext cx="1617389" cy="1358607"/>
       </dsp:txXfrm>
     </dsp:sp>
-    <dsp:sp modelId="{E941CB69-98ED-4276-A88B-E3E04B14639D}">
+    <dsp:sp modelId="{450B140F-13A8-9649-8EB0-4DDC9C8B07C6}">
       <dsp:nvSpPr>
         <dsp:cNvPr id="0" name=""/>
         <dsp:cNvSpPr/>
       </dsp:nvSpPr>
       <dsp:spPr>
         <a:xfrm>
-          <a:off x="9130344" y="1085907"/>
-          <a:ext cx="817320" cy="817320"/>
+          <a:off x="9365969" y="1269930"/>
+          <a:ext cx="679303" cy="679303"/>
         </a:xfrm>
         <a:prstGeom prst="ellipse">
           <a:avLst/>
         </a:prstGeom>
         <a:solidFill>
           <a:schemeClr val="accent5">
-            <a:hueOff val="-10801911"/>
-            <a:satOff val="-734"/>
-            <a:lumOff val="1743"/>
+            <a:hueOff val="-11047409"/>
+            <a:satOff val="-751"/>
+            <a:lumOff val="1783"/>
             <a:alphaOff val="0"/>
           </a:schemeClr>
         </a:solidFill>
         <a:ln w="19050" cap="flat" cmpd="sng" algn="ctr">
           <a:solidFill>
             <a:schemeClr val="accent5">
-              <a:hueOff val="-10801911"/>
-              <a:satOff val="-734"/>
-              <a:lumOff val="1743"/>
+              <a:hueOff val="-11047409"/>
+              <a:satOff val="-751"/>
+              <a:lumOff val="1783"/>
               <a:alphaOff val="0"/>
             </a:schemeClr>
           </a:solidFill>
@@ -6467,12 +7022,12 @@
         </a:fontRef>
       </dsp:style>
       <dsp:txBody>
-        <a:bodyPr spcFirstLastPara="0" vert="horz" wrap="square" lIns="63722" tIns="12700" rIns="63722" bIns="12700" numCol="1" spcCol="1270" anchor="ctr" anchorCtr="0">
+        <a:bodyPr spcFirstLastPara="0" vert="horz" wrap="square" lIns="52961" tIns="12700" rIns="52961" bIns="12700" numCol="1" spcCol="1270" anchor="ctr" anchorCtr="0">
           <a:noAutofit/>
         </a:bodyPr>
         <a:lstStyle/>
         <a:p>
-          <a:pPr marL="0" lvl="0" indent="0" algn="ctr" defTabSz="1733550">
+          <a:pPr marL="0" lvl="0" indent="0" algn="ctr" defTabSz="1422400">
             <a:lnSpc>
               <a:spcPct val="90000"/>
             </a:lnSpc>
@@ -6485,25 +7040,25 @@
             <a:buNone/>
           </a:pPr>
           <a:r>
-            <a:rPr lang="en-US" sz="3900" kern="1200"/>
-            <a:t>5</a:t>
+            <a:rPr lang="en-GB" sz="3200" kern="1200"/>
+            <a:t>6</a:t>
           </a:r>
         </a:p>
       </dsp:txBody>
       <dsp:txXfrm>
-        <a:off x="9250038" y="1205601"/>
-        <a:ext cx="577932" cy="577932"/>
+        <a:off x="9465451" y="1369412"/>
+        <a:ext cx="480339" cy="480339"/>
       </dsp:txXfrm>
     </dsp:sp>
-    <dsp:sp modelId="{8F53F574-5C51-4D2C-95DD-76588C3997DB}">
+    <dsp:sp modelId="{23B86F74-A1DE-4244-BCE7-D2A9C5E08F7E}">
       <dsp:nvSpPr>
         <dsp:cNvPr id="0" name=""/>
         <dsp:cNvSpPr/>
       </dsp:nvSpPr>
       <dsp:spPr>
         <a:xfrm>
-          <a:off x="8566003" y="3537798"/>
-          <a:ext cx="1946002" cy="72"/>
+          <a:off x="8896926" y="3307769"/>
+          <a:ext cx="1617389" cy="72"/>
         </a:xfrm>
         <a:prstGeom prst="rect">
           <a:avLst/>
@@ -13175,7 +13730,7 @@
           <a:p>
             <a:fld id="{367B05AB-98C1-4840-A0E1-FB21FFC83100}" type="datetimeFigureOut">
               <a:rPr lang="en-GB" smtClean="0"/>
-              <a:t>30/03/2025</a:t>
+              <a:t>31/03/2025</a:t>
             </a:fld>
             <a:endParaRPr lang="en-GB"/>
           </a:p>
@@ -13373,7 +13928,7 @@
           <a:p>
             <a:fld id="{367B05AB-98C1-4840-A0E1-FB21FFC83100}" type="datetimeFigureOut">
               <a:rPr lang="en-GB" smtClean="0"/>
-              <a:t>30/03/2025</a:t>
+              <a:t>31/03/2025</a:t>
             </a:fld>
             <a:endParaRPr lang="en-GB"/>
           </a:p>
@@ -13581,7 +14136,7 @@
           <a:p>
             <a:fld id="{367B05AB-98C1-4840-A0E1-FB21FFC83100}" type="datetimeFigureOut">
               <a:rPr lang="en-GB" smtClean="0"/>
-              <a:t>30/03/2025</a:t>
+              <a:t>31/03/2025</a:t>
             </a:fld>
             <a:endParaRPr lang="en-GB"/>
           </a:p>
@@ -13779,7 +14334,7 @@
           <a:p>
             <a:fld id="{367B05AB-98C1-4840-A0E1-FB21FFC83100}" type="datetimeFigureOut">
               <a:rPr lang="en-GB" smtClean="0"/>
-              <a:t>30/03/2025</a:t>
+              <a:t>31/03/2025</a:t>
             </a:fld>
             <a:endParaRPr lang="en-GB"/>
           </a:p>
@@ -14054,7 +14609,7 @@
           <a:p>
             <a:fld id="{367B05AB-98C1-4840-A0E1-FB21FFC83100}" type="datetimeFigureOut">
               <a:rPr lang="en-GB" smtClean="0"/>
-              <a:t>30/03/2025</a:t>
+              <a:t>31/03/2025</a:t>
             </a:fld>
             <a:endParaRPr lang="en-GB"/>
           </a:p>
@@ -14319,7 +14874,7 @@
           <a:p>
             <a:fld id="{367B05AB-98C1-4840-A0E1-FB21FFC83100}" type="datetimeFigureOut">
               <a:rPr lang="en-GB" smtClean="0"/>
-              <a:t>30/03/2025</a:t>
+              <a:t>31/03/2025</a:t>
             </a:fld>
             <a:endParaRPr lang="en-GB"/>
           </a:p>
@@ -14731,7 +15286,7 @@
           <a:p>
             <a:fld id="{367B05AB-98C1-4840-A0E1-FB21FFC83100}" type="datetimeFigureOut">
               <a:rPr lang="en-GB" smtClean="0"/>
-              <a:t>30/03/2025</a:t>
+              <a:t>31/03/2025</a:t>
             </a:fld>
             <a:endParaRPr lang="en-GB"/>
           </a:p>
@@ -14872,7 +15427,7 @@
           <a:p>
             <a:fld id="{367B05AB-98C1-4840-A0E1-FB21FFC83100}" type="datetimeFigureOut">
               <a:rPr lang="en-GB" smtClean="0"/>
-              <a:t>30/03/2025</a:t>
+              <a:t>31/03/2025</a:t>
             </a:fld>
             <a:endParaRPr lang="en-GB"/>
           </a:p>
@@ -14985,7 +15540,7 @@
           <a:p>
             <a:fld id="{367B05AB-98C1-4840-A0E1-FB21FFC83100}" type="datetimeFigureOut">
               <a:rPr lang="en-GB" smtClean="0"/>
-              <a:t>30/03/2025</a:t>
+              <a:t>31/03/2025</a:t>
             </a:fld>
             <a:endParaRPr lang="en-GB"/>
           </a:p>
@@ -15296,7 +15851,7 @@
           <a:p>
             <a:fld id="{367B05AB-98C1-4840-A0E1-FB21FFC83100}" type="datetimeFigureOut">
               <a:rPr lang="en-GB" smtClean="0"/>
-              <a:t>30/03/2025</a:t>
+              <a:t>31/03/2025</a:t>
             </a:fld>
             <a:endParaRPr lang="en-GB"/>
           </a:p>
@@ -15584,7 +16139,7 @@
           <a:p>
             <a:fld id="{367B05AB-98C1-4840-A0E1-FB21FFC83100}" type="datetimeFigureOut">
               <a:rPr lang="en-GB" smtClean="0"/>
-              <a:t>30/03/2025</a:t>
+              <a:t>31/03/2025</a:t>
             </a:fld>
             <a:endParaRPr lang="en-GB"/>
           </a:p>
@@ -15825,7 +16380,7 @@
           <a:p>
             <a:fld id="{367B05AB-98C1-4840-A0E1-FB21FFC83100}" type="datetimeFigureOut">
               <a:rPr lang="en-GB" smtClean="0"/>
-              <a:t>30/03/2025</a:t>
+              <a:t>31/03/2025</a:t>
             </a:fld>
             <a:endParaRPr lang="en-GB"/>
           </a:p>
@@ -24096,7 +24651,7 @@
         </p:spPr>
         <p:txBody>
           <a:bodyPr>
-            <a:normAutofit/>
+            <a:normAutofit fontScale="92500" lnSpcReduction="20000"/>
           </a:bodyPr>
           <a:lstStyle/>
           <a:p>
@@ -24114,14 +24669,27 @@
             </a:r>
           </a:p>
           <a:p>
-            <a:pPr marL="0" indent="0" fontAlgn="base">
+            <a:pPr fontAlgn="base">
               <a:spcBef>
                 <a:spcPct val="0"/>
               </a:spcBef>
               <a:spcAft>
                 <a:spcPts val="600"/>
               </a:spcAft>
-              <a:buNone/>
+            </a:pPr>
+            <a:r>
+              <a:rPr lang="en-US" altLang="en-US" dirty="0"/>
+              <a:t>The categorical selections work well and will work better with scale. </a:t>
+            </a:r>
+          </a:p>
+          <a:p>
+            <a:pPr fontAlgn="base">
+              <a:spcBef>
+                <a:spcPct val="0"/>
+              </a:spcBef>
+              <a:spcAft>
+                <a:spcPts val="600"/>
+              </a:spcAft>
             </a:pPr>
             <a:endParaRPr lang="en-US" altLang="en-US" dirty="0"/>
           </a:p>
@@ -24135,13 +24703,16 @@
               </a:spcAft>
             </a:pPr>
             <a:r>
-              <a:rPr kumimoji="0" lang="en-US" altLang="en-US" sz="2800" i="0" u="none" strike="noStrike" cap="none" normalizeH="0" baseline="0" dirty="0">
-                <a:ln>
-                  <a:noFill/>
-                </a:ln>
-                <a:effectLst/>
-              </a:rPr>
-              <a:t>Check for item diversity.</a:t>
+              <a:rPr lang="en-US" altLang="en-US" dirty="0"/>
+              <a:t>Test the sentence transformer robustness by predicting current </a:t>
+            </a:r>
+            <a:r>
+              <a:rPr lang="en-US" altLang="en-US" dirty="0" err="1"/>
+              <a:t>categorised</a:t>
+            </a:r>
+            <a:r>
+              <a:rPr lang="en-US" altLang="en-US" dirty="0"/>
+              <a:t> items</a:t>
             </a:r>
           </a:p>
           <a:p>
@@ -29299,6 +29870,440 @@
 </file>
 
 <file path=ppt/slides/slide12.xml><?xml version="1.0" encoding="utf-8"?>
+<p:sld xmlns:a="http://schemas.openxmlformats.org/drawingml/2006/main" xmlns:r="http://schemas.openxmlformats.org/officeDocument/2006/relationships" xmlns:p="http://schemas.openxmlformats.org/presentationml/2006/main">
+  <p:cSld>
+    <p:bg>
+      <p:bgPr>
+        <a:solidFill>
+          <a:schemeClr val="bg1"/>
+        </a:solidFill>
+        <a:effectLst/>
+      </p:bgPr>
+    </p:bg>
+    <p:spTree>
+      <p:nvGrpSpPr>
+        <p:cNvPr id="1" name=""/>
+        <p:cNvGrpSpPr/>
+        <p:nvPr/>
+      </p:nvGrpSpPr>
+      <p:grpSpPr>
+        <a:xfrm>
+          <a:off x="0" y="0"/>
+          <a:ext cx="0" cy="0"/>
+          <a:chOff x="0" y="0"/>
+          <a:chExt cx="0" cy="0"/>
+        </a:xfrm>
+      </p:grpSpPr>
+      <p:sp useBgFill="1">
+        <p:nvSpPr>
+          <p:cNvPr id="11" name="Rectangle 10">
+            <a:extLst>
+              <a:ext uri="{FF2B5EF4-FFF2-40B4-BE49-F238E27FC236}">
+                <a16:creationId xmlns:a16="http://schemas.microsoft.com/office/drawing/2014/main" id="{32AEEBC8-9D30-42EF-95F2-386C2653FBF0}"/>
+              </a:ext>
+              <a:ext uri="{C183D7F6-B498-43B3-948B-1728B52AA6E4}">
+                <adec:decorative xmlns:adec="http://schemas.microsoft.com/office/drawing/2017/decorative" val="1"/>
+              </a:ext>
+            </a:extLst>
+          </p:cNvPr>
+          <p:cNvSpPr>
+            <a:spLocks noGrp="1" noRot="1" noChangeAspect="1" noMove="1" noResize="1" noEditPoints="1" noAdjustHandles="1" noChangeArrowheads="1" noChangeShapeType="1" noTextEdit="1"/>
+          </p:cNvSpPr>
+          <p:nvPr>
+            <p:extLst>
+              <p:ext uri="{386F3935-93C4-4BCD-93E2-E3B085C9AB24}">
+                <p16:designElem xmlns:p16="http://schemas.microsoft.com/office/powerpoint/2015/main" val="1"/>
+              </p:ext>
+            </p:extLst>
+          </p:nvPr>
+        </p:nvSpPr>
+        <p:spPr>
+          <a:xfrm>
+            <a:off x="0" y="0"/>
+            <a:ext cx="12192000" cy="6858000"/>
+          </a:xfrm>
+          <a:prstGeom prst="rect">
+            <a:avLst/>
+          </a:prstGeom>
+          <a:ln>
+            <a:noFill/>
+          </a:ln>
+        </p:spPr>
+        <p:style>
+          <a:lnRef idx="2">
+            <a:schemeClr val="accent1">
+              <a:shade val="50000"/>
+            </a:schemeClr>
+          </a:lnRef>
+          <a:fillRef idx="1">
+            <a:schemeClr val="accent1"/>
+          </a:fillRef>
+          <a:effectRef idx="0">
+            <a:schemeClr val="accent1"/>
+          </a:effectRef>
+          <a:fontRef idx="minor">
+            <a:schemeClr val="lt1"/>
+          </a:fontRef>
+        </p:style>
+        <p:txBody>
+          <a:bodyPr rtlCol="0" anchor="ctr"/>
+          <a:lstStyle/>
+          <a:p>
+            <a:pPr algn="ctr"/>
+            <a:endParaRPr lang="en-US"/>
+          </a:p>
+        </p:txBody>
+      </p:sp>
+      <p:sp>
+        <p:nvSpPr>
+          <p:cNvPr id="2" name="Title 1">
+            <a:extLst>
+              <a:ext uri="{FF2B5EF4-FFF2-40B4-BE49-F238E27FC236}">
+                <a16:creationId xmlns:a16="http://schemas.microsoft.com/office/drawing/2014/main" id="{17614E71-9E4E-8BAD-F551-D64792E75362}"/>
+              </a:ext>
+            </a:extLst>
+          </p:cNvPr>
+          <p:cNvSpPr>
+            <a:spLocks noGrp="1"/>
+          </p:cNvSpPr>
+          <p:nvPr>
+            <p:ph type="title"/>
+          </p:nvPr>
+        </p:nvSpPr>
+        <p:spPr>
+          <a:xfrm>
+            <a:off x="630936" y="502920"/>
+            <a:ext cx="3419856" cy="1463040"/>
+          </a:xfrm>
+        </p:spPr>
+        <p:txBody>
+          <a:bodyPr vert="horz" lIns="91440" tIns="45720" rIns="91440" bIns="45720" rtlCol="0" anchor="ctr">
+            <a:normAutofit/>
+          </a:bodyPr>
+          <a:lstStyle/>
+          <a:p>
+            <a:r>
+              <a:rPr lang="en-US" sz="4800" dirty="0"/>
+              <a:t>V</a:t>
+            </a:r>
+            <a:r>
+              <a:rPr lang="en-US" sz="4800" dirty="0">
+                <a:effectLst/>
+              </a:rPr>
+              <a:t>alidating the output</a:t>
+            </a:r>
+            <a:endParaRPr lang="en-US" sz="4800" dirty="0"/>
+          </a:p>
+        </p:txBody>
+      </p:sp>
+      <p:sp>
+        <p:nvSpPr>
+          <p:cNvPr id="8" name="sketch line">
+            <a:extLst>
+              <a:ext uri="{FF2B5EF4-FFF2-40B4-BE49-F238E27FC236}">
+                <a16:creationId xmlns:a16="http://schemas.microsoft.com/office/drawing/2014/main" id="{2E92FA66-67D7-4CB4-94D3-E643A9AD4757}"/>
+              </a:ext>
+              <a:ext uri="{C183D7F6-B498-43B3-948B-1728B52AA6E4}">
+                <adec:decorative xmlns:adec="http://schemas.microsoft.com/office/drawing/2017/decorative" val="1"/>
+              </a:ext>
+            </a:extLst>
+          </p:cNvPr>
+          <p:cNvSpPr>
+            <a:spLocks noGrp="1" noRot="1" noChangeAspect="1" noMove="1" noResize="1" noEditPoints="1" noAdjustHandles="1" noChangeArrowheads="1" noChangeShapeType="1" noTextEdit="1"/>
+          </p:cNvSpPr>
+          <p:nvPr>
+            <p:extLst>
+              <p:ext uri="{386F3935-93C4-4BCD-93E2-E3B085C9AB24}">
+                <p16:designElem xmlns:p16="http://schemas.microsoft.com/office/powerpoint/2015/main" val="1"/>
+              </p:ext>
+            </p:extLst>
+          </p:nvPr>
+        </p:nvSpPr>
+        <p:spPr>
+          <a:xfrm rot="5400000">
+            <a:off x="3566159" y="1225296"/>
+            <a:ext cx="1554480" cy="18288"/>
+          </a:xfrm>
+          <a:custGeom>
+            <a:avLst/>
+            <a:gdLst>
+              <a:gd name="connsiteX0" fmla="*/ 0 w 1554480"/>
+              <a:gd name="connsiteY0" fmla="*/ 0 h 18288"/>
+              <a:gd name="connsiteX1" fmla="*/ 549250 w 1554480"/>
+              <a:gd name="connsiteY1" fmla="*/ 0 h 18288"/>
+              <a:gd name="connsiteX2" fmla="*/ 1082954 w 1554480"/>
+              <a:gd name="connsiteY2" fmla="*/ 0 h 18288"/>
+              <a:gd name="connsiteX3" fmla="*/ 1554480 w 1554480"/>
+              <a:gd name="connsiteY3" fmla="*/ 0 h 18288"/>
+              <a:gd name="connsiteX4" fmla="*/ 1554480 w 1554480"/>
+              <a:gd name="connsiteY4" fmla="*/ 18288 h 18288"/>
+              <a:gd name="connsiteX5" fmla="*/ 1067410 w 1554480"/>
+              <a:gd name="connsiteY5" fmla="*/ 18288 h 18288"/>
+              <a:gd name="connsiteX6" fmla="*/ 549250 w 1554480"/>
+              <a:gd name="connsiteY6" fmla="*/ 18288 h 18288"/>
+              <a:gd name="connsiteX7" fmla="*/ 0 w 1554480"/>
+              <a:gd name="connsiteY7" fmla="*/ 18288 h 18288"/>
+              <a:gd name="connsiteX8" fmla="*/ 0 w 1554480"/>
+              <a:gd name="connsiteY8" fmla="*/ 0 h 18288"/>
+            </a:gdLst>
+            <a:ahLst/>
+            <a:cxnLst>
+              <a:cxn ang="0">
+                <a:pos x="connsiteX0" y="connsiteY0"/>
+              </a:cxn>
+              <a:cxn ang="0">
+                <a:pos x="connsiteX1" y="connsiteY1"/>
+              </a:cxn>
+              <a:cxn ang="0">
+                <a:pos x="connsiteX2" y="connsiteY2"/>
+              </a:cxn>
+              <a:cxn ang="0">
+                <a:pos x="connsiteX3" y="connsiteY3"/>
+              </a:cxn>
+              <a:cxn ang="0">
+                <a:pos x="connsiteX4" y="connsiteY4"/>
+              </a:cxn>
+              <a:cxn ang="0">
+                <a:pos x="connsiteX5" y="connsiteY5"/>
+              </a:cxn>
+              <a:cxn ang="0">
+                <a:pos x="connsiteX6" y="connsiteY6"/>
+              </a:cxn>
+              <a:cxn ang="0">
+                <a:pos x="connsiteX7" y="connsiteY7"/>
+              </a:cxn>
+              <a:cxn ang="0">
+                <a:pos x="connsiteX8" y="connsiteY8"/>
+              </a:cxn>
+            </a:cxnLst>
+            <a:rect l="l" t="t" r="r" b="b"/>
+            <a:pathLst>
+              <a:path w="1554480" h="18288" fill="none" extrusionOk="0">
+                <a:moveTo>
+                  <a:pt x="0" y="0"/>
+                </a:moveTo>
+                <a:cubicBezTo>
+                  <a:pt x="114141" y="-19864"/>
+                  <a:pt x="345055" y="-1657"/>
+                  <a:pt x="549250" y="0"/>
+                </a:cubicBezTo>
+                <a:cubicBezTo>
+                  <a:pt x="753445" y="1657"/>
+                  <a:pt x="862292" y="-5674"/>
+                  <a:pt x="1082954" y="0"/>
+                </a:cubicBezTo>
+                <a:cubicBezTo>
+                  <a:pt x="1303616" y="5674"/>
+                  <a:pt x="1363530" y="4537"/>
+                  <a:pt x="1554480" y="0"/>
+                </a:cubicBezTo>
+                <a:cubicBezTo>
+                  <a:pt x="1554963" y="7176"/>
+                  <a:pt x="1553909" y="13682"/>
+                  <a:pt x="1554480" y="18288"/>
+                </a:cubicBezTo>
+                <a:cubicBezTo>
+                  <a:pt x="1338847" y="6127"/>
+                  <a:pt x="1215066" y="37851"/>
+                  <a:pt x="1067410" y="18288"/>
+                </a:cubicBezTo>
+                <a:cubicBezTo>
+                  <a:pt x="919754" y="-1275"/>
+                  <a:pt x="800465" y="3080"/>
+                  <a:pt x="549250" y="18288"/>
+                </a:cubicBezTo>
+                <a:cubicBezTo>
+                  <a:pt x="298035" y="33496"/>
+                  <a:pt x="158868" y="22769"/>
+                  <a:pt x="0" y="18288"/>
+                </a:cubicBezTo>
+                <a:cubicBezTo>
+                  <a:pt x="-655" y="13237"/>
+                  <a:pt x="709" y="4645"/>
+                  <a:pt x="0" y="0"/>
+                </a:cubicBezTo>
+                <a:close/>
+              </a:path>
+              <a:path w="1554480" h="18288" stroke="0" extrusionOk="0">
+                <a:moveTo>
+                  <a:pt x="0" y="0"/>
+                </a:moveTo>
+                <a:cubicBezTo>
+                  <a:pt x="249941" y="-58"/>
+                  <a:pt x="367334" y="23448"/>
+                  <a:pt x="502615" y="0"/>
+                </a:cubicBezTo>
+                <a:cubicBezTo>
+                  <a:pt x="637897" y="-23448"/>
+                  <a:pt x="813653" y="-20418"/>
+                  <a:pt x="974141" y="0"/>
+                </a:cubicBezTo>
+                <a:cubicBezTo>
+                  <a:pt x="1134629" y="20418"/>
+                  <a:pt x="1268772" y="6288"/>
+                  <a:pt x="1554480" y="0"/>
+                </a:cubicBezTo>
+                <a:cubicBezTo>
+                  <a:pt x="1554917" y="7222"/>
+                  <a:pt x="1555359" y="13299"/>
+                  <a:pt x="1554480" y="18288"/>
+                </a:cubicBezTo>
+                <a:cubicBezTo>
+                  <a:pt x="1336087" y="12172"/>
+                  <a:pt x="1310024" y="19759"/>
+                  <a:pt x="1067410" y="18288"/>
+                </a:cubicBezTo>
+                <a:cubicBezTo>
+                  <a:pt x="824796" y="16818"/>
+                  <a:pt x="787902" y="34647"/>
+                  <a:pt x="518160" y="18288"/>
+                </a:cubicBezTo>
+                <a:cubicBezTo>
+                  <a:pt x="248418" y="1930"/>
+                  <a:pt x="133160" y="9205"/>
+                  <a:pt x="0" y="18288"/>
+                </a:cubicBezTo>
+                <a:cubicBezTo>
+                  <a:pt x="-643" y="9451"/>
+                  <a:pt x="-340" y="7114"/>
+                  <a:pt x="0" y="0"/>
+                </a:cubicBezTo>
+                <a:close/>
+              </a:path>
+            </a:pathLst>
+          </a:custGeom>
+          <a:solidFill>
+            <a:schemeClr val="accent2"/>
+          </a:solidFill>
+          <a:ln w="41275" cap="rnd">
+            <a:solidFill>
+              <a:schemeClr val="accent2"/>
+            </a:solidFill>
+            <a:round/>
+            <a:extLst>
+              <a:ext uri="{C807C97D-BFC1-408E-A445-0C87EB9F89A2}">
+                <ask:lineSketchStyleProps xmlns:ask="http://schemas.microsoft.com/office/drawing/2018/sketchyshapes" sd="1219033472">
+                  <a:prstGeom prst="rect">
+                    <a:avLst/>
+                  </a:prstGeom>
+                  <ask:type>
+                    <ask:lineSketchFreehand/>
+                  </ask:type>
+                </ask:lineSketchStyleProps>
+              </a:ext>
+            </a:extLst>
+          </a:ln>
+        </p:spPr>
+        <p:style>
+          <a:lnRef idx="2">
+            <a:schemeClr val="accent1">
+              <a:shade val="50000"/>
+            </a:schemeClr>
+          </a:lnRef>
+          <a:fillRef idx="1">
+            <a:schemeClr val="accent1"/>
+          </a:fillRef>
+          <a:effectRef idx="0">
+            <a:schemeClr val="accent1"/>
+          </a:effectRef>
+          <a:fontRef idx="minor">
+            <a:schemeClr val="lt1"/>
+          </a:fontRef>
+        </p:style>
+        <p:txBody>
+          <a:bodyPr rtlCol="0" anchor="ctr"/>
+          <a:lstStyle/>
+          <a:p>
+            <a:pPr algn="ctr"/>
+            <a:endParaRPr lang="en-US"/>
+          </a:p>
+        </p:txBody>
+      </p:sp>
+      <p:sp>
+        <p:nvSpPr>
+          <p:cNvPr id="6" name="Content Placeholder 5">
+            <a:extLst>
+              <a:ext uri="{FF2B5EF4-FFF2-40B4-BE49-F238E27FC236}">
+                <a16:creationId xmlns:a16="http://schemas.microsoft.com/office/drawing/2014/main" id="{5A0D5F8C-EDD1-2761-CC6B-F97D9A767651}"/>
+              </a:ext>
+            </a:extLst>
+          </p:cNvPr>
+          <p:cNvSpPr>
+            <a:spLocks noGrp="1"/>
+          </p:cNvSpPr>
+          <p:nvPr>
+            <p:ph idx="1"/>
+          </p:nvPr>
+        </p:nvSpPr>
+        <p:spPr>
+          <a:xfrm>
+            <a:off x="4654295" y="502920"/>
+            <a:ext cx="6894576" cy="1463040"/>
+          </a:xfrm>
+        </p:spPr>
+        <p:txBody>
+          <a:bodyPr anchor="ctr">
+            <a:normAutofit/>
+          </a:bodyPr>
+          <a:lstStyle/>
+          <a:p>
+            <a:r>
+              <a:rPr lang="en-GB" sz="2200" dirty="0"/>
+              <a:t>Some recommendations are ok but the model suffers from a low amount of similar products and not having proper category descriptions.</a:t>
+            </a:r>
+          </a:p>
+          <a:p>
+            <a:r>
+              <a:rPr lang="en-GB" sz="2200" dirty="0"/>
+              <a:t>Model suffers from low data.</a:t>
+            </a:r>
+          </a:p>
+        </p:txBody>
+      </p:sp>
+      <p:pic>
+        <p:nvPicPr>
+          <p:cNvPr id="3" name="Picture 2">
+            <a:extLst>
+              <a:ext uri="{FF2B5EF4-FFF2-40B4-BE49-F238E27FC236}">
+                <a16:creationId xmlns:a16="http://schemas.microsoft.com/office/drawing/2014/main" id="{CD0E8808-BAF8-8719-F61B-1FF972AFF2E4}"/>
+              </a:ext>
+            </a:extLst>
+          </p:cNvPr>
+          <p:cNvPicPr>
+            <a:picLocks noChangeAspect="1"/>
+          </p:cNvPicPr>
+          <p:nvPr/>
+        </p:nvPicPr>
+        <p:blipFill>
+          <a:blip r:embed="rId2"/>
+          <a:stretch>
+            <a:fillRect/>
+          </a:stretch>
+        </p:blipFill>
+        <p:spPr>
+          <a:xfrm>
+            <a:off x="630936" y="2742100"/>
+            <a:ext cx="10917936" cy="3057023"/>
+          </a:xfrm>
+          <a:prstGeom prst="rect">
+            <a:avLst/>
+          </a:prstGeom>
+        </p:spPr>
+      </p:pic>
+    </p:spTree>
+    <p:extLst>
+      <p:ext uri="{BB962C8B-B14F-4D97-AF65-F5344CB8AC3E}">
+        <p14:creationId xmlns:p14="http://schemas.microsoft.com/office/powerpoint/2010/main" val="1041678481"/>
+      </p:ext>
+    </p:extLst>
+  </p:cSld>
+  <p:clrMapOvr>
+    <a:masterClrMapping/>
+  </p:clrMapOvr>
+</p:sld>
+</file>
+
+<file path=ppt/slides/slide13.xml><?xml version="1.0" encoding="utf-8"?>
 <p:sld xmlns:a="http://schemas.openxmlformats.org/drawingml/2006/main" xmlns:r="http://schemas.openxmlformats.org/officeDocument/2006/relationships" xmlns:p="http://schemas.openxmlformats.org/presentationml/2006/main">
   <p:cSld>
     <p:bg>
@@ -29683,7 +30688,7 @@
             <p:ph sz="half" idx="1"/>
             <p:extLst>
               <p:ext uri="{D42A27DB-BD31-4B8C-83A1-F6EECF244321}">
-                <p14:modId xmlns:p14="http://schemas.microsoft.com/office/powerpoint/2010/main" val="2289275510"/>
+                <p14:modId xmlns:p14="http://schemas.microsoft.com/office/powerpoint/2010/main" val="709283616"/>
               </p:ext>
             </p:extLst>
           </p:nvPr>
@@ -29711,7 +30716,7 @@
 </p:sld>
 </file>
 
-<file path=ppt/slides/slide13.xml><?xml version="1.0" encoding="utf-8"?>
+<file path=ppt/slides/slide14.xml><?xml version="1.0" encoding="utf-8"?>
 <p:sld xmlns:a="http://schemas.openxmlformats.org/drawingml/2006/main" xmlns:r="http://schemas.openxmlformats.org/officeDocument/2006/relationships" xmlns:p="http://schemas.openxmlformats.org/presentationml/2006/main">
   <p:cSld>
     <p:bg>
@@ -29908,7 +30913,7 @@
             <p:ph sz="half" idx="1"/>
             <p:extLst>
               <p:ext uri="{D42A27DB-BD31-4B8C-83A1-F6EECF244321}">
-                <p14:modId xmlns:p14="http://schemas.microsoft.com/office/powerpoint/2010/main" val="2764633779"/>
+                <p14:modId xmlns:p14="http://schemas.microsoft.com/office/powerpoint/2010/main" val="1167849950"/>
               </p:ext>
             </p:extLst>
           </p:nvPr>
@@ -29936,7 +30941,7 @@
 </p:sld>
 </file>
 
-<file path=ppt/slides/slide14.xml><?xml version="1.0" encoding="utf-8"?>
+<file path=ppt/slides/slide15.xml><?xml version="1.0" encoding="utf-8"?>
 <p:sld xmlns:a="http://schemas.openxmlformats.org/drawingml/2006/main" xmlns:r="http://schemas.openxmlformats.org/officeDocument/2006/relationships" xmlns:p="http://schemas.openxmlformats.org/presentationml/2006/main">
   <p:cSld>
     <p:bg>
@@ -30137,7 +31142,7 @@
           <p:nvPr>
             <p:extLst>
               <p:ext uri="{D42A27DB-BD31-4B8C-83A1-F6EECF244321}">
-                <p14:modId xmlns:p14="http://schemas.microsoft.com/office/powerpoint/2010/main" val="1546984647"/>
+                <p14:modId xmlns:p14="http://schemas.microsoft.com/office/powerpoint/2010/main" val="997940702"/>
               </p:ext>
             </p:extLst>
           </p:nvPr>
@@ -31119,7 +32124,7 @@
                 <a:ea typeface="Times New Roman" panose="02020603050405020304" pitchFamily="18" charset="0"/>
                 <a:cs typeface="Arial" panose="020B0604020202020204" pitchFamily="34" charset="0"/>
               </a:rPr>
-              <a:t>Adding a bit of AI to place items without good categories</a:t>
+              <a:t>Adding a hugging face sentence transformer to place items without good categories</a:t>
             </a:r>
           </a:p>
         </p:txBody>
@@ -32580,7 +33585,7 @@
         </p:nvSpPr>
         <p:spPr>
           <a:xfrm>
-            <a:off x="7159413" y="494453"/>
+            <a:off x="4944533" y="453670"/>
             <a:ext cx="2302934" cy="3183467"/>
           </a:xfrm>
           <a:prstGeom prst="rect">
